--- a/Milestone 2/SDV602 PPT for video presentation.pptx
+++ b/Milestone 2/SDV602 PPT for video presentation.pptx
@@ -175,7 +175,7 @@
           <a:noFill/>
           <a:extLst>
             <a:ext uri="{909E8E84-426E-40dd-AFC4-6F175D3DCCD1}">
-              <a14:hiddenFill xmlns:a14="http://schemas.microsoft.com/office/drawing/2010/main" xmlns="">
+              <a14:hiddenFill xmlns="" xmlns:a14="http://schemas.microsoft.com/office/drawing/2010/main">
                 <a:solidFill>
                   <a:srgbClr val="FFFFFF"/>
                 </a:solidFill>
@@ -234,7 +234,7 @@
             </a:ln>
             <a:extLst>
               <a:ext uri="{91240B29-F687-4f45-9708-019B960494DF}">
-                <a14:hiddenLine xmlns:a14="http://schemas.microsoft.com/office/drawing/2010/main" xmlns="" w="9525">
+                <a14:hiddenLine xmlns="" xmlns:a14="http://schemas.microsoft.com/office/drawing/2010/main" w="9525">
                   <a:solidFill>
                     <a:srgbClr val="000000"/>
                   </a:solidFill>
@@ -324,7 +324,7 @@
             </a:ln>
             <a:extLst>
               <a:ext uri="{91240B29-F687-4f45-9708-019B960494DF}">
-                <a14:hiddenLine xmlns:a14="http://schemas.microsoft.com/office/drawing/2010/main" xmlns="" w="9525">
+                <a14:hiddenLine xmlns="" xmlns:a14="http://schemas.microsoft.com/office/drawing/2010/main" w="9525">
                   <a:solidFill>
                     <a:srgbClr val="000000"/>
                   </a:solidFill>
@@ -414,7 +414,7 @@
             </a:ln>
             <a:extLst>
               <a:ext uri="{91240B29-F687-4f45-9708-019B960494DF}">
-                <a14:hiddenLine xmlns:a14="http://schemas.microsoft.com/office/drawing/2010/main" xmlns="" w="9525">
+                <a14:hiddenLine xmlns="" xmlns:a14="http://schemas.microsoft.com/office/drawing/2010/main" w="9525">
                   <a:solidFill>
                     <a:srgbClr val="000000"/>
                   </a:solidFill>
@@ -448,7 +448,7 @@
             </a:ln>
             <a:extLst>
               <a:ext uri="{91240B29-F687-4f45-9708-019B960494DF}">
-                <a14:hiddenLine xmlns:a14="http://schemas.microsoft.com/office/drawing/2010/main" xmlns="" w="9525">
+                <a14:hiddenLine xmlns="" xmlns:a14="http://schemas.microsoft.com/office/drawing/2010/main" w="9525">
                   <a:solidFill>
                     <a:srgbClr val="000000"/>
                   </a:solidFill>
@@ -538,7 +538,7 @@
             </a:ln>
             <a:extLst>
               <a:ext uri="{91240B29-F687-4f45-9708-019B960494DF}">
-                <a14:hiddenLine xmlns:a14="http://schemas.microsoft.com/office/drawing/2010/main" xmlns="" w="9525">
+                <a14:hiddenLine xmlns="" xmlns:a14="http://schemas.microsoft.com/office/drawing/2010/main" w="9525">
                   <a:solidFill>
                     <a:srgbClr val="000000"/>
                   </a:solidFill>
@@ -600,7 +600,7 @@
             </a:ln>
             <a:extLst>
               <a:ext uri="{91240B29-F687-4f45-9708-019B960494DF}">
-                <a14:hiddenLine xmlns:a14="http://schemas.microsoft.com/office/drawing/2010/main" xmlns="" w="9525">
+                <a14:hiddenLine xmlns="" xmlns:a14="http://schemas.microsoft.com/office/drawing/2010/main" w="9525">
                   <a:solidFill>
                     <a:srgbClr val="000000"/>
                   </a:solidFill>
@@ -662,7 +662,7 @@
             </a:ln>
             <a:extLst>
               <a:ext uri="{91240B29-F687-4f45-9708-019B960494DF}">
-                <a14:hiddenLine xmlns:a14="http://schemas.microsoft.com/office/drawing/2010/main" xmlns="" w="9525">
+                <a14:hiddenLine xmlns="" xmlns:a14="http://schemas.microsoft.com/office/drawing/2010/main" w="9525">
                   <a:solidFill>
                     <a:srgbClr val="000000"/>
                   </a:solidFill>
@@ -752,7 +752,7 @@
             </a:ln>
             <a:extLst>
               <a:ext uri="{91240B29-F687-4f45-9708-019B960494DF}">
-                <a14:hiddenLine xmlns:a14="http://schemas.microsoft.com/office/drawing/2010/main" xmlns="" w="9525">
+                <a14:hiddenLine xmlns="" xmlns:a14="http://schemas.microsoft.com/office/drawing/2010/main" w="9525">
                   <a:solidFill>
                     <a:srgbClr val="000000"/>
                   </a:solidFill>
@@ -814,7 +814,7 @@
             </a:ln>
             <a:extLst>
               <a:ext uri="{91240B29-F687-4f45-9708-019B960494DF}">
-                <a14:hiddenLine xmlns:a14="http://schemas.microsoft.com/office/drawing/2010/main" xmlns="" w="9525">
+                <a14:hiddenLine xmlns="" xmlns:a14="http://schemas.microsoft.com/office/drawing/2010/main" w="9525">
                   <a:solidFill>
                     <a:srgbClr val="000000"/>
                   </a:solidFill>
@@ -876,7 +876,7 @@
             </a:ln>
             <a:extLst>
               <a:ext uri="{91240B29-F687-4f45-9708-019B960494DF}">
-                <a14:hiddenLine xmlns:a14="http://schemas.microsoft.com/office/drawing/2010/main" xmlns="" w="9525">
+                <a14:hiddenLine xmlns="" xmlns:a14="http://schemas.microsoft.com/office/drawing/2010/main" w="9525">
                   <a:solidFill>
                     <a:srgbClr val="000000"/>
                   </a:solidFill>
@@ -966,7 +966,7 @@
             </a:ln>
             <a:extLst>
               <a:ext uri="{91240B29-F687-4f45-9708-019B960494DF}">
-                <a14:hiddenLine xmlns:a14="http://schemas.microsoft.com/office/drawing/2010/main" xmlns="" w="9525">
+                <a14:hiddenLine xmlns="" xmlns:a14="http://schemas.microsoft.com/office/drawing/2010/main" w="9525">
                   <a:solidFill>
                     <a:srgbClr val="000000"/>
                   </a:solidFill>
@@ -1056,7 +1056,7 @@
             </a:ln>
             <a:extLst>
               <a:ext uri="{91240B29-F687-4f45-9708-019B960494DF}">
-                <a14:hiddenLine xmlns:a14="http://schemas.microsoft.com/office/drawing/2010/main" xmlns="" w="9525">
+                <a14:hiddenLine xmlns="" xmlns:a14="http://schemas.microsoft.com/office/drawing/2010/main" w="9525">
                   <a:solidFill>
                     <a:srgbClr val="000000"/>
                   </a:solidFill>
@@ -1118,7 +1118,7 @@
             </a:ln>
             <a:extLst>
               <a:ext uri="{91240B29-F687-4f45-9708-019B960494DF}">
-                <a14:hiddenLine xmlns:a14="http://schemas.microsoft.com/office/drawing/2010/main" xmlns="" w="9525">
+                <a14:hiddenLine xmlns="" xmlns:a14="http://schemas.microsoft.com/office/drawing/2010/main" w="9525">
                   <a:solidFill>
                     <a:srgbClr val="000000"/>
                   </a:solidFill>
@@ -1228,7 +1228,7 @@
             </a:ln>
             <a:extLst>
               <a:ext uri="{91240B29-F687-4f45-9708-019B960494DF}">
-                <a14:hiddenLine xmlns:a14="http://schemas.microsoft.com/office/drawing/2010/main" xmlns="" w="9525">
+                <a14:hiddenLine xmlns="" xmlns:a14="http://schemas.microsoft.com/office/drawing/2010/main" w="9525">
                   <a:solidFill>
                     <a:srgbClr val="000000"/>
                   </a:solidFill>
@@ -1290,7 +1290,7 @@
             </a:ln>
             <a:extLst>
               <a:ext uri="{91240B29-F687-4f45-9708-019B960494DF}">
-                <a14:hiddenLine xmlns:a14="http://schemas.microsoft.com/office/drawing/2010/main" xmlns="" w="9525">
+                <a14:hiddenLine xmlns="" xmlns:a14="http://schemas.microsoft.com/office/drawing/2010/main" w="9525">
                   <a:solidFill>
                     <a:srgbClr val="000000"/>
                   </a:solidFill>
@@ -1380,7 +1380,7 @@
             </a:ln>
             <a:extLst>
               <a:ext uri="{91240B29-F687-4f45-9708-019B960494DF}">
-                <a14:hiddenLine xmlns:a14="http://schemas.microsoft.com/office/drawing/2010/main" xmlns="" w="9525">
+                <a14:hiddenLine xmlns="" xmlns:a14="http://schemas.microsoft.com/office/drawing/2010/main" w="9525">
                   <a:solidFill>
                     <a:srgbClr val="000000"/>
                   </a:solidFill>
@@ -1470,7 +1470,7 @@
             </a:ln>
             <a:extLst>
               <a:ext uri="{91240B29-F687-4f45-9708-019B960494DF}">
-                <a14:hiddenLine xmlns:a14="http://schemas.microsoft.com/office/drawing/2010/main" xmlns="" w="9525">
+                <a14:hiddenLine xmlns="" xmlns:a14="http://schemas.microsoft.com/office/drawing/2010/main" w="9525">
                   <a:solidFill>
                     <a:srgbClr val="000000"/>
                   </a:solidFill>
@@ -1532,7 +1532,7 @@
             </a:ln>
             <a:extLst>
               <a:ext uri="{91240B29-F687-4f45-9708-019B960494DF}">
-                <a14:hiddenLine xmlns:a14="http://schemas.microsoft.com/office/drawing/2010/main" xmlns="" w="9525">
+                <a14:hiddenLine xmlns="" xmlns:a14="http://schemas.microsoft.com/office/drawing/2010/main" w="9525">
                   <a:solidFill>
                     <a:srgbClr val="000000"/>
                   </a:solidFill>
@@ -1622,7 +1622,7 @@
             </a:ln>
             <a:extLst>
               <a:ext uri="{91240B29-F687-4f45-9708-019B960494DF}">
-                <a14:hiddenLine xmlns:a14="http://schemas.microsoft.com/office/drawing/2010/main" xmlns="" w="9525">
+                <a14:hiddenLine xmlns="" xmlns:a14="http://schemas.microsoft.com/office/drawing/2010/main" w="9525">
                   <a:solidFill>
                     <a:srgbClr val="000000"/>
                   </a:solidFill>
@@ -1712,7 +1712,7 @@
             </a:ln>
             <a:extLst>
               <a:ext uri="{91240B29-F687-4f45-9708-019B960494DF}">
-                <a14:hiddenLine xmlns:a14="http://schemas.microsoft.com/office/drawing/2010/main" xmlns="" w="9525">
+                <a14:hiddenLine xmlns="" xmlns:a14="http://schemas.microsoft.com/office/drawing/2010/main" w="9525">
                   <a:solidFill>
                     <a:srgbClr val="000000"/>
                   </a:solidFill>
@@ -1768,7 +1768,7 @@
             </a:ln>
             <a:extLst>
               <a:ext uri="{91240B29-F687-4f45-9708-019B960494DF}">
-                <a14:hiddenLine xmlns:a14="http://schemas.microsoft.com/office/drawing/2010/main" xmlns="" w="9525">
+                <a14:hiddenLine xmlns="" xmlns:a14="http://schemas.microsoft.com/office/drawing/2010/main" w="9525">
                   <a:solidFill>
                     <a:srgbClr val="000000"/>
                   </a:solidFill>
@@ -1858,7 +1858,7 @@
             </a:ln>
             <a:extLst>
               <a:ext uri="{91240B29-F687-4f45-9708-019B960494DF}">
-                <a14:hiddenLine xmlns:a14="http://schemas.microsoft.com/office/drawing/2010/main" xmlns="" w="9525">
+                <a14:hiddenLine xmlns="" xmlns:a14="http://schemas.microsoft.com/office/drawing/2010/main" w="9525">
                   <a:solidFill>
                     <a:srgbClr val="000000"/>
                   </a:solidFill>
@@ -1914,7 +1914,7 @@
             </a:ln>
             <a:extLst>
               <a:ext uri="{91240B29-F687-4f45-9708-019B960494DF}">
-                <a14:hiddenLine xmlns:a14="http://schemas.microsoft.com/office/drawing/2010/main" xmlns="" w="9525">
+                <a14:hiddenLine xmlns="" xmlns:a14="http://schemas.microsoft.com/office/drawing/2010/main" w="9525">
                   <a:solidFill>
                     <a:srgbClr val="000000"/>
                   </a:solidFill>
@@ -2004,7 +2004,7 @@
             </a:ln>
             <a:extLst>
               <a:ext uri="{91240B29-F687-4f45-9708-019B960494DF}">
-                <a14:hiddenLine xmlns:a14="http://schemas.microsoft.com/office/drawing/2010/main" xmlns="" w="9525">
+                <a14:hiddenLine xmlns="" xmlns:a14="http://schemas.microsoft.com/office/drawing/2010/main" w="9525">
                   <a:solidFill>
                     <a:srgbClr val="000000"/>
                   </a:solidFill>
@@ -2072,7 +2072,7 @@
             </a:ln>
             <a:extLst>
               <a:ext uri="{91240B29-F687-4f45-9708-019B960494DF}">
-                <a14:hiddenLine xmlns:a14="http://schemas.microsoft.com/office/drawing/2010/main" xmlns="" w="9525">
+                <a14:hiddenLine xmlns="" xmlns:a14="http://schemas.microsoft.com/office/drawing/2010/main" w="9525">
                   <a:solidFill>
                     <a:srgbClr val="000000"/>
                   </a:solidFill>
@@ -2162,7 +2162,7 @@
             </a:ln>
             <a:extLst>
               <a:ext uri="{91240B29-F687-4f45-9708-019B960494DF}">
-                <a14:hiddenLine xmlns:a14="http://schemas.microsoft.com/office/drawing/2010/main" xmlns="" w="9525">
+                <a14:hiddenLine xmlns="" xmlns:a14="http://schemas.microsoft.com/office/drawing/2010/main" w="9525">
                   <a:solidFill>
                     <a:srgbClr val="000000"/>
                   </a:solidFill>
@@ -2230,7 +2230,7 @@
             </a:ln>
             <a:extLst>
               <a:ext uri="{91240B29-F687-4f45-9708-019B960494DF}">
-                <a14:hiddenLine xmlns:a14="http://schemas.microsoft.com/office/drawing/2010/main" xmlns="" w="9525">
+                <a14:hiddenLine xmlns="" xmlns:a14="http://schemas.microsoft.com/office/drawing/2010/main" w="9525">
                   <a:solidFill>
                     <a:srgbClr val="000000"/>
                   </a:solidFill>
@@ -2320,7 +2320,7 @@
             </a:ln>
             <a:extLst>
               <a:ext uri="{91240B29-F687-4f45-9708-019B960494DF}">
-                <a14:hiddenLine xmlns:a14="http://schemas.microsoft.com/office/drawing/2010/main" xmlns="" w="9525">
+                <a14:hiddenLine xmlns="" xmlns:a14="http://schemas.microsoft.com/office/drawing/2010/main" w="9525">
                   <a:solidFill>
                     <a:srgbClr val="000000"/>
                   </a:solidFill>
@@ -2354,7 +2354,7 @@
             </a:ln>
             <a:extLst>
               <a:ext uri="{91240B29-F687-4f45-9708-019B960494DF}">
-                <a14:hiddenLine xmlns:a14="http://schemas.microsoft.com/office/drawing/2010/main" xmlns="" w="9525">
+                <a14:hiddenLine xmlns="" xmlns:a14="http://schemas.microsoft.com/office/drawing/2010/main" w="9525">
                   <a:solidFill>
                     <a:srgbClr val="000000"/>
                   </a:solidFill>
@@ -2444,7 +2444,7 @@
             </a:ln>
             <a:extLst>
               <a:ext uri="{91240B29-F687-4f45-9708-019B960494DF}">
-                <a14:hiddenLine xmlns:a14="http://schemas.microsoft.com/office/drawing/2010/main" xmlns="" w="9525">
+                <a14:hiddenLine xmlns="" xmlns:a14="http://schemas.microsoft.com/office/drawing/2010/main" w="9525">
                   <a:solidFill>
                     <a:srgbClr val="000000"/>
                   </a:solidFill>
@@ -2506,7 +2506,7 @@
             </a:ln>
             <a:extLst>
               <a:ext uri="{91240B29-F687-4f45-9708-019B960494DF}">
-                <a14:hiddenLine xmlns:a14="http://schemas.microsoft.com/office/drawing/2010/main" xmlns="" w="9525">
+                <a14:hiddenLine xmlns="" xmlns:a14="http://schemas.microsoft.com/office/drawing/2010/main" w="9525">
                   <a:solidFill>
                     <a:srgbClr val="000000"/>
                   </a:solidFill>
@@ -2568,7 +2568,7 @@
             </a:ln>
             <a:extLst>
               <a:ext uri="{91240B29-F687-4f45-9708-019B960494DF}">
-                <a14:hiddenLine xmlns:a14="http://schemas.microsoft.com/office/drawing/2010/main" xmlns="" w="9525">
+                <a14:hiddenLine xmlns="" xmlns:a14="http://schemas.microsoft.com/office/drawing/2010/main" w="9525">
                   <a:solidFill>
                     <a:srgbClr val="000000"/>
                   </a:solidFill>
@@ -2658,7 +2658,7 @@
             </a:ln>
             <a:extLst>
               <a:ext uri="{91240B29-F687-4f45-9708-019B960494DF}">
-                <a14:hiddenLine xmlns:a14="http://schemas.microsoft.com/office/drawing/2010/main" xmlns="" w="9525">
+                <a14:hiddenLine xmlns="" xmlns:a14="http://schemas.microsoft.com/office/drawing/2010/main" w="9525">
                   <a:solidFill>
                     <a:srgbClr val="000000"/>
                   </a:solidFill>
@@ -2726,7 +2726,7 @@
             </a:ln>
             <a:extLst>
               <a:ext uri="{91240B29-F687-4f45-9708-019B960494DF}">
-                <a14:hiddenLine xmlns:a14="http://schemas.microsoft.com/office/drawing/2010/main" xmlns="" w="9525">
+                <a14:hiddenLine xmlns="" xmlns:a14="http://schemas.microsoft.com/office/drawing/2010/main" w="9525">
                   <a:solidFill>
                     <a:srgbClr val="000000"/>
                   </a:solidFill>
@@ -2788,7 +2788,7 @@
             </a:ln>
             <a:extLst>
               <a:ext uri="{91240B29-F687-4f45-9708-019B960494DF}">
-                <a14:hiddenLine xmlns:a14="http://schemas.microsoft.com/office/drawing/2010/main" xmlns="" w="9525">
+                <a14:hiddenLine xmlns="" xmlns:a14="http://schemas.microsoft.com/office/drawing/2010/main" w="9525">
                   <a:solidFill>
                     <a:srgbClr val="000000"/>
                   </a:solidFill>
@@ -2878,7 +2878,7 @@
             </a:ln>
             <a:extLst>
               <a:ext uri="{91240B29-F687-4f45-9708-019B960494DF}">
-                <a14:hiddenLine xmlns:a14="http://schemas.microsoft.com/office/drawing/2010/main" xmlns="" w="9525">
+                <a14:hiddenLine xmlns="" xmlns:a14="http://schemas.microsoft.com/office/drawing/2010/main" w="9525">
                   <a:solidFill>
                     <a:srgbClr val="000000"/>
                   </a:solidFill>
@@ -2940,7 +2940,7 @@
             </a:ln>
             <a:extLst>
               <a:ext uri="{91240B29-F687-4f45-9708-019B960494DF}">
-                <a14:hiddenLine xmlns:a14="http://schemas.microsoft.com/office/drawing/2010/main" xmlns="" w="9525">
+                <a14:hiddenLine xmlns="" xmlns:a14="http://schemas.microsoft.com/office/drawing/2010/main" w="9525">
                   <a:solidFill>
                     <a:srgbClr val="000000"/>
                   </a:solidFill>
@@ -3030,7 +3030,7 @@
             </a:ln>
             <a:extLst>
               <a:ext uri="{91240B29-F687-4f45-9708-019B960494DF}">
-                <a14:hiddenLine xmlns:a14="http://schemas.microsoft.com/office/drawing/2010/main" xmlns="" w="9525">
+                <a14:hiddenLine xmlns="" xmlns:a14="http://schemas.microsoft.com/office/drawing/2010/main" w="9525">
                   <a:solidFill>
                     <a:srgbClr val="000000"/>
                   </a:solidFill>
@@ -3092,7 +3092,7 @@
             </a:ln>
             <a:extLst>
               <a:ext uri="{91240B29-F687-4f45-9708-019B960494DF}">
-                <a14:hiddenLine xmlns:a14="http://schemas.microsoft.com/office/drawing/2010/main" xmlns="" w="9525">
+                <a14:hiddenLine xmlns="" xmlns:a14="http://schemas.microsoft.com/office/drawing/2010/main" w="9525">
                   <a:solidFill>
                     <a:srgbClr val="000000"/>
                   </a:solidFill>
@@ -3182,7 +3182,7 @@
             </a:ln>
             <a:extLst>
               <a:ext uri="{91240B29-F687-4f45-9708-019B960494DF}">
-                <a14:hiddenLine xmlns:a14="http://schemas.microsoft.com/office/drawing/2010/main" xmlns="" w="9525">
+                <a14:hiddenLine xmlns="" xmlns:a14="http://schemas.microsoft.com/office/drawing/2010/main" w="9525">
                   <a:solidFill>
                     <a:srgbClr val="000000"/>
                   </a:solidFill>
@@ -3216,7 +3216,7 @@
             </a:ln>
             <a:extLst>
               <a:ext uri="{91240B29-F687-4f45-9708-019B960494DF}">
-                <a14:hiddenLine xmlns:a14="http://schemas.microsoft.com/office/drawing/2010/main" xmlns="" w="9525">
+                <a14:hiddenLine xmlns="" xmlns:a14="http://schemas.microsoft.com/office/drawing/2010/main" w="9525">
                   <a:solidFill>
                     <a:srgbClr val="000000"/>
                   </a:solidFill>
@@ -3281,7 +3281,7 @@
             </a:ln>
             <a:extLst>
               <a:ext uri="{91240B29-F687-4f45-9708-019B960494DF}">
-                <a14:hiddenLine xmlns:a14="http://schemas.microsoft.com/office/drawing/2010/main" xmlns="" w="9525">
+                <a14:hiddenLine xmlns="" xmlns:a14="http://schemas.microsoft.com/office/drawing/2010/main" w="9525">
                   <a:solidFill>
                     <a:srgbClr val="000000"/>
                   </a:solidFill>
@@ -3371,7 +3371,7 @@
             </a:ln>
             <a:extLst>
               <a:ext uri="{91240B29-F687-4f45-9708-019B960494DF}">
-                <a14:hiddenLine xmlns:a14="http://schemas.microsoft.com/office/drawing/2010/main" xmlns="" w="9525">
+                <a14:hiddenLine xmlns="" xmlns:a14="http://schemas.microsoft.com/office/drawing/2010/main" w="9525">
                   <a:solidFill>
                     <a:srgbClr val="000000"/>
                   </a:solidFill>
@@ -3433,7 +3433,7 @@
             </a:ln>
             <a:extLst>
               <a:ext uri="{91240B29-F687-4f45-9708-019B960494DF}">
-                <a14:hiddenLine xmlns:a14="http://schemas.microsoft.com/office/drawing/2010/main" xmlns="" w="9525">
+                <a14:hiddenLine xmlns="" xmlns:a14="http://schemas.microsoft.com/office/drawing/2010/main" w="9525">
                   <a:solidFill>
                     <a:srgbClr val="000000"/>
                   </a:solidFill>
@@ -3523,7 +3523,7 @@
             </a:ln>
             <a:extLst>
               <a:ext uri="{91240B29-F687-4f45-9708-019B960494DF}">
-                <a14:hiddenLine xmlns:a14="http://schemas.microsoft.com/office/drawing/2010/main" xmlns="" w="9525">
+                <a14:hiddenLine xmlns="" xmlns:a14="http://schemas.microsoft.com/office/drawing/2010/main" w="9525">
                   <a:solidFill>
                     <a:srgbClr val="000000"/>
                   </a:solidFill>
@@ -3613,7 +3613,7 @@
             </a:ln>
             <a:extLst>
               <a:ext uri="{91240B29-F687-4f45-9708-019B960494DF}">
-                <a14:hiddenLine xmlns:a14="http://schemas.microsoft.com/office/drawing/2010/main" xmlns="" w="9525">
+                <a14:hiddenLine xmlns="" xmlns:a14="http://schemas.microsoft.com/office/drawing/2010/main" w="9525">
                   <a:solidFill>
                     <a:srgbClr val="000000"/>
                   </a:solidFill>
@@ -3678,7 +3678,7 @@
             </a:ln>
             <a:extLst>
               <a:ext uri="{91240B29-F687-4f45-9708-019B960494DF}">
-                <a14:hiddenLine xmlns:a14="http://schemas.microsoft.com/office/drawing/2010/main" xmlns="" w="9525">
+                <a14:hiddenLine xmlns="" xmlns:a14="http://schemas.microsoft.com/office/drawing/2010/main" w="9525">
                   <a:solidFill>
                     <a:srgbClr val="000000"/>
                   </a:solidFill>
@@ -3740,7 +3740,7 @@
             </a:ln>
             <a:extLst>
               <a:ext uri="{91240B29-F687-4f45-9708-019B960494DF}">
-                <a14:hiddenLine xmlns:a14="http://schemas.microsoft.com/office/drawing/2010/main" xmlns="" w="9525">
+                <a14:hiddenLine xmlns="" xmlns:a14="http://schemas.microsoft.com/office/drawing/2010/main" w="9525">
                   <a:solidFill>
                     <a:srgbClr val="000000"/>
                   </a:solidFill>
@@ -3830,7 +3830,7 @@
             </a:ln>
             <a:extLst>
               <a:ext uri="{91240B29-F687-4f45-9708-019B960494DF}">
-                <a14:hiddenLine xmlns:a14="http://schemas.microsoft.com/office/drawing/2010/main" xmlns="" w="9525">
+                <a14:hiddenLine xmlns="" xmlns:a14="http://schemas.microsoft.com/office/drawing/2010/main" w="9525">
                   <a:solidFill>
                     <a:srgbClr val="000000"/>
                   </a:solidFill>
@@ -3920,7 +3920,7 @@
             </a:ln>
             <a:extLst>
               <a:ext uri="{91240B29-F687-4f45-9708-019B960494DF}">
-                <a14:hiddenLine xmlns:a14="http://schemas.microsoft.com/office/drawing/2010/main" xmlns="" w="9525">
+                <a14:hiddenLine xmlns="" xmlns:a14="http://schemas.microsoft.com/office/drawing/2010/main" w="9525">
                   <a:solidFill>
                     <a:srgbClr val="000000"/>
                   </a:solidFill>
@@ -3982,7 +3982,7 @@
             </a:ln>
             <a:extLst>
               <a:ext uri="{91240B29-F687-4f45-9708-019B960494DF}">
-                <a14:hiddenLine xmlns:a14="http://schemas.microsoft.com/office/drawing/2010/main" xmlns="" w="9525">
+                <a14:hiddenLine xmlns="" xmlns:a14="http://schemas.microsoft.com/office/drawing/2010/main" w="9525">
                   <a:solidFill>
                     <a:srgbClr val="000000"/>
                   </a:solidFill>
@@ -4102,7 +4102,7 @@
             </a:ln>
             <a:extLst>
               <a:ext uri="{91240B29-F687-4f45-9708-019B960494DF}">
-                <a14:hiddenLine xmlns:a14="http://schemas.microsoft.com/office/drawing/2010/main" xmlns="" w="9525">
+                <a14:hiddenLine xmlns="" xmlns:a14="http://schemas.microsoft.com/office/drawing/2010/main" w="9525">
                   <a:solidFill>
                     <a:srgbClr val="000000"/>
                   </a:solidFill>
@@ -4170,7 +4170,7 @@
             </a:ln>
             <a:extLst>
               <a:ext uri="{91240B29-F687-4f45-9708-019B960494DF}">
-                <a14:hiddenLine xmlns:a14="http://schemas.microsoft.com/office/drawing/2010/main" xmlns="" w="9525">
+                <a14:hiddenLine xmlns="" xmlns:a14="http://schemas.microsoft.com/office/drawing/2010/main" w="9525">
                   <a:solidFill>
                     <a:srgbClr val="000000"/>
                   </a:solidFill>
@@ -4260,7 +4260,7 @@
             </a:ln>
             <a:extLst>
               <a:ext uri="{91240B29-F687-4f45-9708-019B960494DF}">
-                <a14:hiddenLine xmlns:a14="http://schemas.microsoft.com/office/drawing/2010/main" xmlns="" w="9525">
+                <a14:hiddenLine xmlns="" xmlns:a14="http://schemas.microsoft.com/office/drawing/2010/main" w="9525">
                   <a:solidFill>
                     <a:srgbClr val="000000"/>
                   </a:solidFill>
@@ -9074,7 +9074,7 @@
           <a:noFill/>
           <a:extLst>
             <a:ext uri="{909E8E84-426E-40dd-AFC4-6F175D3DCCD1}">
-              <a14:hiddenFill xmlns:a14="http://schemas.microsoft.com/office/drawing/2010/main" xmlns="">
+              <a14:hiddenFill xmlns="" xmlns:a14="http://schemas.microsoft.com/office/drawing/2010/main">
                 <a:solidFill>
                   <a:srgbClr val="FFFFFF"/>
                 </a:solidFill>
@@ -9148,7 +9148,7 @@
               </a:ln>
               <a:extLst>
                 <a:ext uri="{91240B29-F687-4f45-9708-019B960494DF}">
-                  <a14:hiddenLine xmlns:a14="http://schemas.microsoft.com/office/drawing/2010/main" xmlns="" w="9525">
+                  <a14:hiddenLine xmlns="" xmlns:a14="http://schemas.microsoft.com/office/drawing/2010/main" w="9525">
                     <a:solidFill>
                       <a:srgbClr val="000000"/>
                     </a:solidFill>
@@ -9238,7 +9238,7 @@
               </a:ln>
               <a:extLst>
                 <a:ext uri="{91240B29-F687-4f45-9708-019B960494DF}">
-                  <a14:hiddenLine xmlns:a14="http://schemas.microsoft.com/office/drawing/2010/main" xmlns="" w="9525">
+                  <a14:hiddenLine xmlns="" xmlns:a14="http://schemas.microsoft.com/office/drawing/2010/main" w="9525">
                     <a:solidFill>
                       <a:srgbClr val="000000"/>
                     </a:solidFill>
@@ -9328,7 +9328,7 @@
               </a:ln>
               <a:extLst>
                 <a:ext uri="{91240B29-F687-4f45-9708-019B960494DF}">
-                  <a14:hiddenLine xmlns:a14="http://schemas.microsoft.com/office/drawing/2010/main" xmlns="" w="9525">
+                  <a14:hiddenLine xmlns="" xmlns:a14="http://schemas.microsoft.com/office/drawing/2010/main" w="9525">
                     <a:solidFill>
                       <a:srgbClr val="000000"/>
                     </a:solidFill>
@@ -9390,7 +9390,7 @@
               </a:ln>
               <a:extLst>
                 <a:ext uri="{91240B29-F687-4f45-9708-019B960494DF}">
-                  <a14:hiddenLine xmlns:a14="http://schemas.microsoft.com/office/drawing/2010/main" xmlns="" w="9525">
+                  <a14:hiddenLine xmlns="" xmlns:a14="http://schemas.microsoft.com/office/drawing/2010/main" w="9525">
                     <a:solidFill>
                       <a:srgbClr val="000000"/>
                     </a:solidFill>
@@ -9480,7 +9480,7 @@
               </a:ln>
               <a:extLst>
                 <a:ext uri="{91240B29-F687-4f45-9708-019B960494DF}">
-                  <a14:hiddenLine xmlns:a14="http://schemas.microsoft.com/office/drawing/2010/main" xmlns="" w="9525">
+                  <a14:hiddenLine xmlns="" xmlns:a14="http://schemas.microsoft.com/office/drawing/2010/main" w="9525">
                     <a:solidFill>
                       <a:srgbClr val="000000"/>
                     </a:solidFill>
@@ -9542,7 +9542,7 @@
               </a:ln>
               <a:extLst>
                 <a:ext uri="{91240B29-F687-4f45-9708-019B960494DF}">
-                  <a14:hiddenLine xmlns:a14="http://schemas.microsoft.com/office/drawing/2010/main" xmlns="" w="9525">
+                  <a14:hiddenLine xmlns="" xmlns:a14="http://schemas.microsoft.com/office/drawing/2010/main" w="9525">
                     <a:solidFill>
                       <a:srgbClr val="000000"/>
                     </a:solidFill>
@@ -9604,7 +9604,7 @@
               </a:ln>
               <a:extLst>
                 <a:ext uri="{91240B29-F687-4f45-9708-019B960494DF}">
-                  <a14:hiddenLine xmlns:a14="http://schemas.microsoft.com/office/drawing/2010/main" xmlns="" w="9525">
+                  <a14:hiddenLine xmlns="" xmlns:a14="http://schemas.microsoft.com/office/drawing/2010/main" w="9525">
                     <a:solidFill>
                       <a:srgbClr val="000000"/>
                     </a:solidFill>
@@ -9694,7 +9694,7 @@
               </a:ln>
               <a:extLst>
                 <a:ext uri="{91240B29-F687-4f45-9708-019B960494DF}">
-                  <a14:hiddenLine xmlns:a14="http://schemas.microsoft.com/office/drawing/2010/main" xmlns="" w="9525">
+                  <a14:hiddenLine xmlns="" xmlns:a14="http://schemas.microsoft.com/office/drawing/2010/main" w="9525">
                     <a:solidFill>
                       <a:srgbClr val="000000"/>
                     </a:solidFill>
@@ -9784,7 +9784,7 @@
               </a:ln>
               <a:extLst>
                 <a:ext uri="{91240B29-F687-4f45-9708-019B960494DF}">
-                  <a14:hiddenLine xmlns:a14="http://schemas.microsoft.com/office/drawing/2010/main" xmlns="" w="9525">
+                  <a14:hiddenLine xmlns="" xmlns:a14="http://schemas.microsoft.com/office/drawing/2010/main" w="9525">
                     <a:solidFill>
                       <a:srgbClr val="000000"/>
                     </a:solidFill>
@@ -9846,7 +9846,7 @@
               </a:ln>
               <a:extLst>
                 <a:ext uri="{91240B29-F687-4f45-9708-019B960494DF}">
-                  <a14:hiddenLine xmlns:a14="http://schemas.microsoft.com/office/drawing/2010/main" xmlns="" w="9525">
+                  <a14:hiddenLine xmlns="" xmlns:a14="http://schemas.microsoft.com/office/drawing/2010/main" w="9525">
                     <a:solidFill>
                       <a:srgbClr val="000000"/>
                     </a:solidFill>
@@ -9956,7 +9956,7 @@
               </a:ln>
               <a:extLst>
                 <a:ext uri="{91240B29-F687-4f45-9708-019B960494DF}">
-                  <a14:hiddenLine xmlns:a14="http://schemas.microsoft.com/office/drawing/2010/main" xmlns="" w="9525">
+                  <a14:hiddenLine xmlns="" xmlns:a14="http://schemas.microsoft.com/office/drawing/2010/main" w="9525">
                     <a:solidFill>
                       <a:srgbClr val="000000"/>
                     </a:solidFill>
@@ -10040,7 +10040,7 @@
               </a:ln>
               <a:extLst>
                 <a:ext uri="{91240B29-F687-4f45-9708-019B960494DF}">
-                  <a14:hiddenLine xmlns:a14="http://schemas.microsoft.com/office/drawing/2010/main" xmlns="" w="9525">
+                  <a14:hiddenLine xmlns="" xmlns:a14="http://schemas.microsoft.com/office/drawing/2010/main" w="9525">
                     <a:solidFill>
                       <a:srgbClr val="000000"/>
                     </a:solidFill>
@@ -10102,7 +10102,7 @@
               </a:ln>
               <a:extLst>
                 <a:ext uri="{91240B29-F687-4f45-9708-019B960494DF}">
-                  <a14:hiddenLine xmlns:a14="http://schemas.microsoft.com/office/drawing/2010/main" xmlns="" w="9525">
+                  <a14:hiddenLine xmlns="" xmlns:a14="http://schemas.microsoft.com/office/drawing/2010/main" w="9525">
                     <a:solidFill>
                       <a:srgbClr val="000000"/>
                     </a:solidFill>
@@ -10164,7 +10164,7 @@
               </a:ln>
               <a:extLst>
                 <a:ext uri="{91240B29-F687-4f45-9708-019B960494DF}">
-                  <a14:hiddenLine xmlns:a14="http://schemas.microsoft.com/office/drawing/2010/main" xmlns="" w="9525">
+                  <a14:hiddenLine xmlns="" xmlns:a14="http://schemas.microsoft.com/office/drawing/2010/main" w="9525">
                     <a:solidFill>
                       <a:srgbClr val="000000"/>
                     </a:solidFill>
@@ -10254,7 +10254,7 @@
               </a:ln>
               <a:extLst>
                 <a:ext uri="{91240B29-F687-4f45-9708-019B960494DF}">
-                  <a14:hiddenLine xmlns:a14="http://schemas.microsoft.com/office/drawing/2010/main" xmlns="" w="9525">
+                  <a14:hiddenLine xmlns="" xmlns:a14="http://schemas.microsoft.com/office/drawing/2010/main" w="9525">
                     <a:solidFill>
                       <a:srgbClr val="000000"/>
                     </a:solidFill>
@@ -10288,7 +10288,7 @@
               </a:ln>
               <a:extLst>
                 <a:ext uri="{91240B29-F687-4f45-9708-019B960494DF}">
-                  <a14:hiddenLine xmlns:a14="http://schemas.microsoft.com/office/drawing/2010/main" xmlns="" w="9525">
+                  <a14:hiddenLine xmlns="" xmlns:a14="http://schemas.microsoft.com/office/drawing/2010/main" w="9525">
                     <a:solidFill>
                       <a:srgbClr val="000000"/>
                     </a:solidFill>
@@ -10353,7 +10353,7 @@
               </a:ln>
               <a:extLst>
                 <a:ext uri="{91240B29-F687-4f45-9708-019B960494DF}">
-                  <a14:hiddenLine xmlns:a14="http://schemas.microsoft.com/office/drawing/2010/main" xmlns="" w="9525">
+                  <a14:hiddenLine xmlns="" xmlns:a14="http://schemas.microsoft.com/office/drawing/2010/main" w="9525">
                     <a:solidFill>
                       <a:srgbClr val="000000"/>
                     </a:solidFill>
@@ -10443,7 +10443,7 @@
               </a:ln>
               <a:extLst>
                 <a:ext uri="{91240B29-F687-4f45-9708-019B960494DF}">
-                  <a14:hiddenLine xmlns:a14="http://schemas.microsoft.com/office/drawing/2010/main" xmlns="" w="9525">
+                  <a14:hiddenLine xmlns="" xmlns:a14="http://schemas.microsoft.com/office/drawing/2010/main" w="9525">
                     <a:solidFill>
                       <a:srgbClr val="000000"/>
                     </a:solidFill>
@@ -10505,7 +10505,7 @@
               </a:ln>
               <a:extLst>
                 <a:ext uri="{91240B29-F687-4f45-9708-019B960494DF}">
-                  <a14:hiddenLine xmlns:a14="http://schemas.microsoft.com/office/drawing/2010/main" xmlns="" w="9525">
+                  <a14:hiddenLine xmlns="" xmlns:a14="http://schemas.microsoft.com/office/drawing/2010/main" w="9525">
                     <a:solidFill>
                       <a:srgbClr val="000000"/>
                     </a:solidFill>
@@ -10595,7 +10595,7 @@
               </a:ln>
               <a:extLst>
                 <a:ext uri="{91240B29-F687-4f45-9708-019B960494DF}">
-                  <a14:hiddenLine xmlns:a14="http://schemas.microsoft.com/office/drawing/2010/main" xmlns="" w="9525">
+                  <a14:hiddenLine xmlns="" xmlns:a14="http://schemas.microsoft.com/office/drawing/2010/main" w="9525">
                     <a:solidFill>
                       <a:srgbClr val="000000"/>
                     </a:solidFill>
@@ -10660,7 +10660,7 @@
               </a:ln>
               <a:extLst>
                 <a:ext uri="{91240B29-F687-4f45-9708-019B960494DF}">
-                  <a14:hiddenLine xmlns:a14="http://schemas.microsoft.com/office/drawing/2010/main" xmlns="" w="9525">
+                  <a14:hiddenLine xmlns="" xmlns:a14="http://schemas.microsoft.com/office/drawing/2010/main" w="9525">
                     <a:solidFill>
                       <a:srgbClr val="000000"/>
                     </a:solidFill>
@@ -10722,7 +10722,7 @@
               </a:ln>
               <a:extLst>
                 <a:ext uri="{91240B29-F687-4f45-9708-019B960494DF}">
-                  <a14:hiddenLine xmlns:a14="http://schemas.microsoft.com/office/drawing/2010/main" xmlns="" w="9525">
+                  <a14:hiddenLine xmlns="" xmlns:a14="http://schemas.microsoft.com/office/drawing/2010/main" w="9525">
                     <a:solidFill>
                       <a:srgbClr val="000000"/>
                     </a:solidFill>
@@ -10812,7 +10812,7 @@
               </a:ln>
               <a:extLst>
                 <a:ext uri="{91240B29-F687-4f45-9708-019B960494DF}">
-                  <a14:hiddenLine xmlns:a14="http://schemas.microsoft.com/office/drawing/2010/main" xmlns="" w="9525">
+                  <a14:hiddenLine xmlns="" xmlns:a14="http://schemas.microsoft.com/office/drawing/2010/main" w="9525">
                     <a:solidFill>
                       <a:srgbClr val="000000"/>
                     </a:solidFill>
@@ -10902,7 +10902,7 @@
               </a:ln>
               <a:extLst>
                 <a:ext uri="{91240B29-F687-4f45-9708-019B960494DF}">
-                  <a14:hiddenLine xmlns:a14="http://schemas.microsoft.com/office/drawing/2010/main" xmlns="" w="9525">
+                  <a14:hiddenLine xmlns="" xmlns:a14="http://schemas.microsoft.com/office/drawing/2010/main" w="9525">
                     <a:solidFill>
                       <a:srgbClr val="000000"/>
                     </a:solidFill>
@@ -10967,7 +10967,7 @@
               </a:ln>
               <a:extLst>
                 <a:ext uri="{91240B29-F687-4f45-9708-019B960494DF}">
-                  <a14:hiddenLine xmlns:a14="http://schemas.microsoft.com/office/drawing/2010/main" xmlns="" w="9525">
+                  <a14:hiddenLine xmlns="" xmlns:a14="http://schemas.microsoft.com/office/drawing/2010/main" w="9525">
                     <a:solidFill>
                       <a:srgbClr val="000000"/>
                     </a:solidFill>
@@ -11087,7 +11087,7 @@
               </a:ln>
               <a:extLst>
                 <a:ext uri="{91240B29-F687-4f45-9708-019B960494DF}">
-                  <a14:hiddenLine xmlns:a14="http://schemas.microsoft.com/office/drawing/2010/main" xmlns="" w="9525">
+                  <a14:hiddenLine xmlns="" xmlns:a14="http://schemas.microsoft.com/office/drawing/2010/main" w="9525">
                     <a:solidFill>
                       <a:srgbClr val="000000"/>
                     </a:solidFill>
@@ -11168,7 +11168,7 @@
               </a:ln>
               <a:extLst>
                 <a:ext uri="{91240B29-F687-4f45-9708-019B960494DF}">
-                  <a14:hiddenLine xmlns:a14="http://schemas.microsoft.com/office/drawing/2010/main" xmlns="" w="9525">
+                  <a14:hiddenLine xmlns="" xmlns:a14="http://schemas.microsoft.com/office/drawing/2010/main" w="9525">
                     <a:solidFill>
                       <a:srgbClr val="000000"/>
                     </a:solidFill>
@@ -11283,7 +11283,7 @@
               </a:ln>
               <a:extLst>
                 <a:ext uri="{91240B29-F687-4f45-9708-019B960494DF}">
-                  <a14:hiddenLine xmlns:a14="http://schemas.microsoft.com/office/drawing/2010/main" xmlns="" w="9525">
+                  <a14:hiddenLine xmlns="" xmlns:a14="http://schemas.microsoft.com/office/drawing/2010/main" w="9525">
                     <a:solidFill>
                       <a:srgbClr val="000000"/>
                     </a:solidFill>
@@ -11373,7 +11373,7 @@
               </a:ln>
               <a:extLst>
                 <a:ext uri="{91240B29-F687-4f45-9708-019B960494DF}">
-                  <a14:hiddenLine xmlns:a14="http://schemas.microsoft.com/office/drawing/2010/main" xmlns="" w="9525">
+                  <a14:hiddenLine xmlns="" xmlns:a14="http://schemas.microsoft.com/office/drawing/2010/main" w="9525">
                     <a:solidFill>
                       <a:srgbClr val="000000"/>
                     </a:solidFill>
@@ -11438,7 +11438,7 @@
               </a:ln>
               <a:extLst>
                 <a:ext uri="{91240B29-F687-4f45-9708-019B960494DF}">
-                  <a14:hiddenLine xmlns:a14="http://schemas.microsoft.com/office/drawing/2010/main" xmlns="" w="9525">
+                  <a14:hiddenLine xmlns="" xmlns:a14="http://schemas.microsoft.com/office/drawing/2010/main" w="9525">
                     <a:solidFill>
                       <a:srgbClr val="000000"/>
                     </a:solidFill>
@@ -11528,7 +11528,7 @@
               </a:ln>
               <a:extLst>
                 <a:ext uri="{91240B29-F687-4f45-9708-019B960494DF}">
-                  <a14:hiddenLine xmlns:a14="http://schemas.microsoft.com/office/drawing/2010/main" xmlns="" w="9525">
+                  <a14:hiddenLine xmlns="" xmlns:a14="http://schemas.microsoft.com/office/drawing/2010/main" w="9525">
                     <a:solidFill>
                       <a:srgbClr val="000000"/>
                     </a:solidFill>
@@ -11596,7 +11596,7 @@
               </a:ln>
               <a:extLst>
                 <a:ext uri="{91240B29-F687-4f45-9708-019B960494DF}">
-                  <a14:hiddenLine xmlns:a14="http://schemas.microsoft.com/office/drawing/2010/main" xmlns="" w="9525">
+                  <a14:hiddenLine xmlns="" xmlns:a14="http://schemas.microsoft.com/office/drawing/2010/main" w="9525">
                     <a:solidFill>
                       <a:srgbClr val="000000"/>
                     </a:solidFill>
@@ -11686,7 +11686,7 @@
               </a:ln>
               <a:extLst>
                 <a:ext uri="{91240B29-F687-4f45-9708-019B960494DF}">
-                  <a14:hiddenLine xmlns:a14="http://schemas.microsoft.com/office/drawing/2010/main" xmlns="" w="9525">
+                  <a14:hiddenLine xmlns="" xmlns:a14="http://schemas.microsoft.com/office/drawing/2010/main" w="9525">
                     <a:solidFill>
                       <a:srgbClr val="000000"/>
                     </a:solidFill>
@@ -11754,7 +11754,7 @@
               </a:ln>
               <a:extLst>
                 <a:ext uri="{91240B29-F687-4f45-9708-019B960494DF}">
-                  <a14:hiddenLine xmlns:a14="http://schemas.microsoft.com/office/drawing/2010/main" xmlns="" w="9525">
+                  <a14:hiddenLine xmlns="" xmlns:a14="http://schemas.microsoft.com/office/drawing/2010/main" w="9525">
                     <a:solidFill>
                       <a:srgbClr val="000000"/>
                     </a:solidFill>
@@ -11844,7 +11844,7 @@
               </a:ln>
               <a:extLst>
                 <a:ext uri="{91240B29-F687-4f45-9708-019B960494DF}">
-                  <a14:hiddenLine xmlns:a14="http://schemas.microsoft.com/office/drawing/2010/main" xmlns="" w="9525">
+                  <a14:hiddenLine xmlns="" xmlns:a14="http://schemas.microsoft.com/office/drawing/2010/main" w="9525">
                     <a:solidFill>
                       <a:srgbClr val="000000"/>
                     </a:solidFill>
@@ -11878,7 +11878,7 @@
               </a:ln>
               <a:extLst>
                 <a:ext uri="{91240B29-F687-4f45-9708-019B960494DF}">
-                  <a14:hiddenLine xmlns:a14="http://schemas.microsoft.com/office/drawing/2010/main" xmlns="" w="9525">
+                  <a14:hiddenLine xmlns="" xmlns:a14="http://schemas.microsoft.com/office/drawing/2010/main" w="9525">
                     <a:solidFill>
                       <a:srgbClr val="000000"/>
                     </a:solidFill>
@@ -12445,7 +12445,7 @@
           <p:cNvPr id="2" name="Title 1">
             <a:extLst>
               <a:ext uri="{FF2B5EF4-FFF2-40B4-BE49-F238E27FC236}">
-                <a16:creationId xmlns="" xmlns:a16="http://schemas.microsoft.com/office/drawing/2014/main" id="{8268D3E5-C7A3-47DF-A374-46BF83A69904}"/>
+                <a16:creationId xmlns:a16="http://schemas.microsoft.com/office/drawing/2014/main" xmlns="" id="{8268D3E5-C7A3-47DF-A374-46BF83A69904}"/>
               </a:ext>
             </a:extLst>
           </p:cNvPr>
@@ -12492,7 +12492,7 @@
           <p:cNvPr id="3" name="Subtitle 2">
             <a:extLst>
               <a:ext uri="{FF2B5EF4-FFF2-40B4-BE49-F238E27FC236}">
-                <a16:creationId xmlns="" xmlns:a16="http://schemas.microsoft.com/office/drawing/2014/main" id="{2E78725B-6E40-4D82-B375-7831D81C29EE}"/>
+                <a16:creationId xmlns:a16="http://schemas.microsoft.com/office/drawing/2014/main" xmlns="" id="{2E78725B-6E40-4D82-B375-7831D81C29EE}"/>
               </a:ext>
             </a:extLst>
           </p:cNvPr>
@@ -12677,9 +12677,390 @@
   <p:timing>
     <p:tnLst>
       <p:par>
-        <p:cTn id="1" dur="indefinite" restart="never" nodeType="tmRoot"/>
+        <p:cTn id="1" dur="indefinite" restart="never" nodeType="tmRoot">
+          <p:childTnLst>
+            <p:seq concurrent="1" nextAc="seek">
+              <p:cTn id="2" dur="indefinite" nodeType="mainSeq">
+                <p:childTnLst>
+                  <p:par>
+                    <p:cTn id="3" fill="hold">
+                      <p:stCondLst>
+                        <p:cond delay="indefinite"/>
+                      </p:stCondLst>
+                      <p:childTnLst>
+                        <p:par>
+                          <p:cTn id="4" fill="hold">
+                            <p:stCondLst>
+                              <p:cond delay="0"/>
+                            </p:stCondLst>
+                            <p:childTnLst>
+                              <p:par>
+                                <p:cTn id="5" presetID="16" presetClass="entr" presetSubtype="21" fill="hold" grpId="0" nodeType="clickEffect">
+                                  <p:stCondLst>
+                                    <p:cond delay="0"/>
+                                  </p:stCondLst>
+                                  <p:childTnLst>
+                                    <p:set>
+                                      <p:cBhvr>
+                                        <p:cTn id="6" dur="1" fill="hold">
+                                          <p:stCondLst>
+                                            <p:cond delay="0"/>
+                                          </p:stCondLst>
+                                        </p:cTn>
+                                        <p:tgtEl>
+                                          <p:spTgt spid="3">
+                                            <p:txEl>
+                                              <p:pRg st="0" end="0"/>
+                                            </p:txEl>
+                                          </p:spTgt>
+                                        </p:tgtEl>
+                                        <p:attrNameLst>
+                                          <p:attrName>style.visibility</p:attrName>
+                                        </p:attrNameLst>
+                                      </p:cBhvr>
+                                      <p:to>
+                                        <p:strVal val="visible"/>
+                                      </p:to>
+                                    </p:set>
+                                    <p:animEffect transition="in" filter="barn(inVertical)">
+                                      <p:cBhvr>
+                                        <p:cTn id="7" dur="500"/>
+                                        <p:tgtEl>
+                                          <p:spTgt spid="3">
+                                            <p:txEl>
+                                              <p:pRg st="0" end="0"/>
+                                            </p:txEl>
+                                          </p:spTgt>
+                                        </p:tgtEl>
+                                      </p:cBhvr>
+                                    </p:animEffect>
+                                  </p:childTnLst>
+                                </p:cTn>
+                              </p:par>
+                            </p:childTnLst>
+                          </p:cTn>
+                        </p:par>
+                      </p:childTnLst>
+                    </p:cTn>
+                  </p:par>
+                  <p:par>
+                    <p:cTn id="8" fill="hold">
+                      <p:stCondLst>
+                        <p:cond delay="indefinite"/>
+                      </p:stCondLst>
+                      <p:childTnLst>
+                        <p:par>
+                          <p:cTn id="9" fill="hold">
+                            <p:stCondLst>
+                              <p:cond delay="0"/>
+                            </p:stCondLst>
+                            <p:childTnLst>
+                              <p:par>
+                                <p:cTn id="10" presetID="16" presetClass="entr" presetSubtype="21" fill="hold" grpId="0" nodeType="clickEffect">
+                                  <p:stCondLst>
+                                    <p:cond delay="0"/>
+                                  </p:stCondLst>
+                                  <p:childTnLst>
+                                    <p:set>
+                                      <p:cBhvr>
+                                        <p:cTn id="11" dur="1" fill="hold">
+                                          <p:stCondLst>
+                                            <p:cond delay="0"/>
+                                          </p:stCondLst>
+                                        </p:cTn>
+                                        <p:tgtEl>
+                                          <p:spTgt spid="3">
+                                            <p:txEl>
+                                              <p:pRg st="1" end="1"/>
+                                            </p:txEl>
+                                          </p:spTgt>
+                                        </p:tgtEl>
+                                        <p:attrNameLst>
+                                          <p:attrName>style.visibility</p:attrName>
+                                        </p:attrNameLst>
+                                      </p:cBhvr>
+                                      <p:to>
+                                        <p:strVal val="visible"/>
+                                      </p:to>
+                                    </p:set>
+                                    <p:animEffect transition="in" filter="barn(inVertical)">
+                                      <p:cBhvr>
+                                        <p:cTn id="12" dur="500"/>
+                                        <p:tgtEl>
+                                          <p:spTgt spid="3">
+                                            <p:txEl>
+                                              <p:pRg st="1" end="1"/>
+                                            </p:txEl>
+                                          </p:spTgt>
+                                        </p:tgtEl>
+                                      </p:cBhvr>
+                                    </p:animEffect>
+                                  </p:childTnLst>
+                                </p:cTn>
+                              </p:par>
+                              <p:par>
+                                <p:cTn id="13" presetID="16" presetClass="entr" presetSubtype="21" fill="hold" grpId="0" nodeType="withEffect">
+                                  <p:stCondLst>
+                                    <p:cond delay="0"/>
+                                  </p:stCondLst>
+                                  <p:childTnLst>
+                                    <p:set>
+                                      <p:cBhvr>
+                                        <p:cTn id="14" dur="1" fill="hold">
+                                          <p:stCondLst>
+                                            <p:cond delay="0"/>
+                                          </p:stCondLst>
+                                        </p:cTn>
+                                        <p:tgtEl>
+                                          <p:spTgt spid="3">
+                                            <p:txEl>
+                                              <p:pRg st="2" end="2"/>
+                                            </p:txEl>
+                                          </p:spTgt>
+                                        </p:tgtEl>
+                                        <p:attrNameLst>
+                                          <p:attrName>style.visibility</p:attrName>
+                                        </p:attrNameLst>
+                                      </p:cBhvr>
+                                      <p:to>
+                                        <p:strVal val="visible"/>
+                                      </p:to>
+                                    </p:set>
+                                    <p:animEffect transition="in" filter="barn(inVertical)">
+                                      <p:cBhvr>
+                                        <p:cTn id="15" dur="500"/>
+                                        <p:tgtEl>
+                                          <p:spTgt spid="3">
+                                            <p:txEl>
+                                              <p:pRg st="2" end="2"/>
+                                            </p:txEl>
+                                          </p:spTgt>
+                                        </p:tgtEl>
+                                      </p:cBhvr>
+                                    </p:animEffect>
+                                  </p:childTnLst>
+                                </p:cTn>
+                              </p:par>
+                              <p:par>
+                                <p:cTn id="16" presetID="16" presetClass="entr" presetSubtype="21" fill="hold" grpId="0" nodeType="withEffect">
+                                  <p:stCondLst>
+                                    <p:cond delay="0"/>
+                                  </p:stCondLst>
+                                  <p:childTnLst>
+                                    <p:set>
+                                      <p:cBhvr>
+                                        <p:cTn id="17" dur="1" fill="hold">
+                                          <p:stCondLst>
+                                            <p:cond delay="0"/>
+                                          </p:stCondLst>
+                                        </p:cTn>
+                                        <p:tgtEl>
+                                          <p:spTgt spid="3">
+                                            <p:txEl>
+                                              <p:pRg st="3" end="3"/>
+                                            </p:txEl>
+                                          </p:spTgt>
+                                        </p:tgtEl>
+                                        <p:attrNameLst>
+                                          <p:attrName>style.visibility</p:attrName>
+                                        </p:attrNameLst>
+                                      </p:cBhvr>
+                                      <p:to>
+                                        <p:strVal val="visible"/>
+                                      </p:to>
+                                    </p:set>
+                                    <p:animEffect transition="in" filter="barn(inVertical)">
+                                      <p:cBhvr>
+                                        <p:cTn id="18" dur="500"/>
+                                        <p:tgtEl>
+                                          <p:spTgt spid="3">
+                                            <p:txEl>
+                                              <p:pRg st="3" end="3"/>
+                                            </p:txEl>
+                                          </p:spTgt>
+                                        </p:tgtEl>
+                                      </p:cBhvr>
+                                    </p:animEffect>
+                                  </p:childTnLst>
+                                </p:cTn>
+                              </p:par>
+                            </p:childTnLst>
+                          </p:cTn>
+                        </p:par>
+                      </p:childTnLst>
+                    </p:cTn>
+                  </p:par>
+                  <p:par>
+                    <p:cTn id="19" fill="hold">
+                      <p:stCondLst>
+                        <p:cond delay="indefinite"/>
+                      </p:stCondLst>
+                      <p:childTnLst>
+                        <p:par>
+                          <p:cTn id="20" fill="hold">
+                            <p:stCondLst>
+                              <p:cond delay="0"/>
+                            </p:stCondLst>
+                            <p:childTnLst>
+                              <p:par>
+                                <p:cTn id="21" presetID="16" presetClass="entr" presetSubtype="21" fill="hold" grpId="0" nodeType="clickEffect">
+                                  <p:stCondLst>
+                                    <p:cond delay="0"/>
+                                  </p:stCondLst>
+                                  <p:childTnLst>
+                                    <p:set>
+                                      <p:cBhvr>
+                                        <p:cTn id="22" dur="1" fill="hold">
+                                          <p:stCondLst>
+                                            <p:cond delay="0"/>
+                                          </p:stCondLst>
+                                        </p:cTn>
+                                        <p:tgtEl>
+                                          <p:spTgt spid="3">
+                                            <p:txEl>
+                                              <p:pRg st="4" end="4"/>
+                                            </p:txEl>
+                                          </p:spTgt>
+                                        </p:tgtEl>
+                                        <p:attrNameLst>
+                                          <p:attrName>style.visibility</p:attrName>
+                                        </p:attrNameLst>
+                                      </p:cBhvr>
+                                      <p:to>
+                                        <p:strVal val="visible"/>
+                                      </p:to>
+                                    </p:set>
+                                    <p:animEffect transition="in" filter="barn(inVertical)">
+                                      <p:cBhvr>
+                                        <p:cTn id="23" dur="500"/>
+                                        <p:tgtEl>
+                                          <p:spTgt spid="3">
+                                            <p:txEl>
+                                              <p:pRg st="4" end="4"/>
+                                            </p:txEl>
+                                          </p:spTgt>
+                                        </p:tgtEl>
+                                      </p:cBhvr>
+                                    </p:animEffect>
+                                  </p:childTnLst>
+                                </p:cTn>
+                              </p:par>
+                              <p:par>
+                                <p:cTn id="24" presetID="16" presetClass="entr" presetSubtype="21" fill="hold" grpId="0" nodeType="withEffect">
+                                  <p:stCondLst>
+                                    <p:cond delay="0"/>
+                                  </p:stCondLst>
+                                  <p:childTnLst>
+                                    <p:set>
+                                      <p:cBhvr>
+                                        <p:cTn id="25" dur="1" fill="hold">
+                                          <p:stCondLst>
+                                            <p:cond delay="0"/>
+                                          </p:stCondLst>
+                                        </p:cTn>
+                                        <p:tgtEl>
+                                          <p:spTgt spid="3">
+                                            <p:txEl>
+                                              <p:pRg st="5" end="5"/>
+                                            </p:txEl>
+                                          </p:spTgt>
+                                        </p:tgtEl>
+                                        <p:attrNameLst>
+                                          <p:attrName>style.visibility</p:attrName>
+                                        </p:attrNameLst>
+                                      </p:cBhvr>
+                                      <p:to>
+                                        <p:strVal val="visible"/>
+                                      </p:to>
+                                    </p:set>
+                                    <p:animEffect transition="in" filter="barn(inVertical)">
+                                      <p:cBhvr>
+                                        <p:cTn id="26" dur="500"/>
+                                        <p:tgtEl>
+                                          <p:spTgt spid="3">
+                                            <p:txEl>
+                                              <p:pRg st="5" end="5"/>
+                                            </p:txEl>
+                                          </p:spTgt>
+                                        </p:tgtEl>
+                                      </p:cBhvr>
+                                    </p:animEffect>
+                                  </p:childTnLst>
+                                </p:cTn>
+                              </p:par>
+                              <p:par>
+                                <p:cTn id="27" presetID="16" presetClass="entr" presetSubtype="21" fill="hold" grpId="0" nodeType="withEffect">
+                                  <p:stCondLst>
+                                    <p:cond delay="0"/>
+                                  </p:stCondLst>
+                                  <p:childTnLst>
+                                    <p:set>
+                                      <p:cBhvr>
+                                        <p:cTn id="28" dur="1" fill="hold">
+                                          <p:stCondLst>
+                                            <p:cond delay="0"/>
+                                          </p:stCondLst>
+                                        </p:cTn>
+                                        <p:tgtEl>
+                                          <p:spTgt spid="3">
+                                            <p:txEl>
+                                              <p:pRg st="6" end="6"/>
+                                            </p:txEl>
+                                          </p:spTgt>
+                                        </p:tgtEl>
+                                        <p:attrNameLst>
+                                          <p:attrName>style.visibility</p:attrName>
+                                        </p:attrNameLst>
+                                      </p:cBhvr>
+                                      <p:to>
+                                        <p:strVal val="visible"/>
+                                      </p:to>
+                                    </p:set>
+                                    <p:animEffect transition="in" filter="barn(inVertical)">
+                                      <p:cBhvr>
+                                        <p:cTn id="29" dur="500"/>
+                                        <p:tgtEl>
+                                          <p:spTgt spid="3">
+                                            <p:txEl>
+                                              <p:pRg st="6" end="6"/>
+                                            </p:txEl>
+                                          </p:spTgt>
+                                        </p:tgtEl>
+                                      </p:cBhvr>
+                                    </p:animEffect>
+                                  </p:childTnLst>
+                                </p:cTn>
+                              </p:par>
+                            </p:childTnLst>
+                          </p:cTn>
+                        </p:par>
+                      </p:childTnLst>
+                    </p:cTn>
+                  </p:par>
+                </p:childTnLst>
+              </p:cTn>
+              <p:prevCondLst>
+                <p:cond evt="onPrev" delay="0">
+                  <p:tgtEl>
+                    <p:sldTgt/>
+                  </p:tgtEl>
+                </p:cond>
+              </p:prevCondLst>
+              <p:nextCondLst>
+                <p:cond evt="onNext" delay="0">
+                  <p:tgtEl>
+                    <p:sldTgt/>
+                  </p:tgtEl>
+                </p:cond>
+              </p:nextCondLst>
+            </p:seq>
+          </p:childTnLst>
+        </p:cTn>
       </p:par>
     </p:tnLst>
+    <p:bldLst>
+      <p:bldP spid="3" grpId="0" build="p"/>
+    </p:bldLst>
   </p:timing>
 </p:sld>
 </file>
@@ -13310,9 +13691,246 @@
   <p:timing>
     <p:tnLst>
       <p:par>
-        <p:cTn id="1" dur="indefinite" restart="never" nodeType="tmRoot"/>
+        <p:cTn id="1" dur="indefinite" restart="never" nodeType="tmRoot">
+          <p:childTnLst>
+            <p:seq concurrent="1" nextAc="seek">
+              <p:cTn id="2" dur="indefinite" nodeType="mainSeq">
+                <p:childTnLst>
+                  <p:par>
+                    <p:cTn id="3" fill="hold">
+                      <p:stCondLst>
+                        <p:cond delay="indefinite"/>
+                      </p:stCondLst>
+                      <p:childTnLst>
+                        <p:par>
+                          <p:cTn id="4" fill="hold">
+                            <p:stCondLst>
+                              <p:cond delay="0"/>
+                            </p:stCondLst>
+                            <p:childTnLst>
+                              <p:par>
+                                <p:cTn id="5" presetID="2" presetClass="entr" presetSubtype="4" fill="hold" grpId="0" nodeType="clickEffect">
+                                  <p:stCondLst>
+                                    <p:cond delay="0"/>
+                                  </p:stCondLst>
+                                  <p:childTnLst>
+                                    <p:set>
+                                      <p:cBhvr>
+                                        <p:cTn id="6" dur="1" fill="hold">
+                                          <p:stCondLst>
+                                            <p:cond delay="0"/>
+                                          </p:stCondLst>
+                                        </p:cTn>
+                                        <p:tgtEl>
+                                          <p:spTgt spid="3">
+                                            <p:txEl>
+                                              <p:pRg st="0" end="0"/>
+                                            </p:txEl>
+                                          </p:spTgt>
+                                        </p:tgtEl>
+                                        <p:attrNameLst>
+                                          <p:attrName>style.visibility</p:attrName>
+                                        </p:attrNameLst>
+                                      </p:cBhvr>
+                                      <p:to>
+                                        <p:strVal val="visible"/>
+                                      </p:to>
+                                    </p:set>
+                                    <p:anim calcmode="lin" valueType="num">
+                                      <p:cBhvr additive="base">
+                                        <p:cTn id="7" dur="500" fill="hold"/>
+                                        <p:tgtEl>
+                                          <p:spTgt spid="3">
+                                            <p:txEl>
+                                              <p:pRg st="0" end="0"/>
+                                            </p:txEl>
+                                          </p:spTgt>
+                                        </p:tgtEl>
+                                        <p:attrNameLst>
+                                          <p:attrName>ppt_x</p:attrName>
+                                        </p:attrNameLst>
+                                      </p:cBhvr>
+                                      <p:tavLst>
+                                        <p:tav tm="0">
+                                          <p:val>
+                                            <p:strVal val="#ppt_x"/>
+                                          </p:val>
+                                        </p:tav>
+                                        <p:tav tm="100000">
+                                          <p:val>
+                                            <p:strVal val="#ppt_x"/>
+                                          </p:val>
+                                        </p:tav>
+                                      </p:tavLst>
+                                    </p:anim>
+                                    <p:anim calcmode="lin" valueType="num">
+                                      <p:cBhvr additive="base">
+                                        <p:cTn id="8" dur="500" fill="hold"/>
+                                        <p:tgtEl>
+                                          <p:spTgt spid="3">
+                                            <p:txEl>
+                                              <p:pRg st="0" end="0"/>
+                                            </p:txEl>
+                                          </p:spTgt>
+                                        </p:tgtEl>
+                                        <p:attrNameLst>
+                                          <p:attrName>ppt_y</p:attrName>
+                                        </p:attrNameLst>
+                                      </p:cBhvr>
+                                      <p:tavLst>
+                                        <p:tav tm="0">
+                                          <p:val>
+                                            <p:strVal val="1+#ppt_h/2"/>
+                                          </p:val>
+                                        </p:tav>
+                                        <p:tav tm="100000">
+                                          <p:val>
+                                            <p:strVal val="#ppt_y"/>
+                                          </p:val>
+                                        </p:tav>
+                                      </p:tavLst>
+                                    </p:anim>
+                                  </p:childTnLst>
+                                </p:cTn>
+                              </p:par>
+                            </p:childTnLst>
+                          </p:cTn>
+                        </p:par>
+                      </p:childTnLst>
+                    </p:cTn>
+                  </p:par>
+                  <p:par>
+                    <p:cTn id="9" fill="hold">
+                      <p:stCondLst>
+                        <p:cond delay="indefinite"/>
+                      </p:stCondLst>
+                      <p:childTnLst>
+                        <p:par>
+                          <p:cTn id="10" fill="hold">
+                            <p:stCondLst>
+                              <p:cond delay="0"/>
+                            </p:stCondLst>
+                            <p:childTnLst>
+                              <p:par>
+                                <p:cTn id="11" presetID="6" presetClass="entr" presetSubtype="16" fill="hold" grpId="0" nodeType="clickEffect">
+                                  <p:stCondLst>
+                                    <p:cond delay="0"/>
+                                  </p:stCondLst>
+                                  <p:childTnLst>
+                                    <p:set>
+                                      <p:cBhvr>
+                                        <p:cTn id="12" dur="1" fill="hold">
+                                          <p:stCondLst>
+                                            <p:cond delay="0"/>
+                                          </p:stCondLst>
+                                        </p:cTn>
+                                        <p:tgtEl>
+                                          <p:spTgt spid="5"/>
+                                        </p:tgtEl>
+                                        <p:attrNameLst>
+                                          <p:attrName>style.visibility</p:attrName>
+                                        </p:attrNameLst>
+                                      </p:cBhvr>
+                                      <p:to>
+                                        <p:strVal val="visible"/>
+                                      </p:to>
+                                    </p:set>
+                                    <p:animEffect transition="in" filter="circle(in)">
+                                      <p:cBhvr>
+                                        <p:cTn id="13" dur="2000"/>
+                                        <p:tgtEl>
+                                          <p:spTgt spid="5"/>
+                                        </p:tgtEl>
+                                      </p:cBhvr>
+                                    </p:animEffect>
+                                  </p:childTnLst>
+                                </p:cTn>
+                              </p:par>
+                            </p:childTnLst>
+                          </p:cTn>
+                        </p:par>
+                      </p:childTnLst>
+                    </p:cTn>
+                  </p:par>
+                  <p:par>
+                    <p:cTn id="14" fill="hold">
+                      <p:stCondLst>
+                        <p:cond delay="indefinite"/>
+                      </p:stCondLst>
+                      <p:childTnLst>
+                        <p:par>
+                          <p:cTn id="15" fill="hold">
+                            <p:stCondLst>
+                              <p:cond delay="0"/>
+                            </p:stCondLst>
+                            <p:childTnLst>
+                              <p:par>
+                                <p:cTn id="16" presetID="14" presetClass="entr" presetSubtype="10" fill="hold" grpId="0" nodeType="clickEffect">
+                                  <p:stCondLst>
+                                    <p:cond delay="0"/>
+                                  </p:stCondLst>
+                                  <p:childTnLst>
+                                    <p:set>
+                                      <p:cBhvr>
+                                        <p:cTn id="17" dur="1" fill="hold">
+                                          <p:stCondLst>
+                                            <p:cond delay="0"/>
+                                          </p:stCondLst>
+                                        </p:cTn>
+                                        <p:tgtEl>
+                                          <p:spTgt spid="6"/>
+                                        </p:tgtEl>
+                                        <p:attrNameLst>
+                                          <p:attrName>style.visibility</p:attrName>
+                                        </p:attrNameLst>
+                                      </p:cBhvr>
+                                      <p:to>
+                                        <p:strVal val="visible"/>
+                                      </p:to>
+                                    </p:set>
+                                    <p:animEffect transition="in" filter="randombar(horizontal)">
+                                      <p:cBhvr>
+                                        <p:cTn id="18" dur="500"/>
+                                        <p:tgtEl>
+                                          <p:spTgt spid="6"/>
+                                        </p:tgtEl>
+                                      </p:cBhvr>
+                                    </p:animEffect>
+                                  </p:childTnLst>
+                                </p:cTn>
+                              </p:par>
+                            </p:childTnLst>
+                          </p:cTn>
+                        </p:par>
+                      </p:childTnLst>
+                    </p:cTn>
+                  </p:par>
+                </p:childTnLst>
+              </p:cTn>
+              <p:prevCondLst>
+                <p:cond evt="onPrev" delay="0">
+                  <p:tgtEl>
+                    <p:sldTgt/>
+                  </p:tgtEl>
+                </p:cond>
+              </p:prevCondLst>
+              <p:nextCondLst>
+                <p:cond evt="onNext" delay="0">
+                  <p:tgtEl>
+                    <p:sldTgt/>
+                  </p:tgtEl>
+                </p:cond>
+              </p:nextCondLst>
+            </p:seq>
+          </p:childTnLst>
+        </p:cTn>
       </p:par>
     </p:tnLst>
+    <p:bldLst>
+      <p:bldP spid="3" grpId="0" build="p"/>
+      <p:bldP spid="5" grpId="0"/>
+      <p:bldP spid="6" grpId="0"/>
+    </p:bldLst>
   </p:timing>
 </p:sld>
 </file>
@@ -13391,12 +14009,12 @@
               <a:t>SQLite is a library that implements small, fast, self-contained, high-reliability, full-featured </a:t>
             </a:r>
             <a:r>
-              <a:rPr lang="en-US" dirty="0" err="1" smtClean="0"/>
-              <a:t>serverless</a:t>
-            </a:r>
-            <a:r>
               <a:rPr lang="en-US" dirty="0" smtClean="0"/>
-              <a:t> SQL </a:t>
+              <a:t>Serverless </a:t>
+            </a:r>
+            <a:r>
+              <a:rPr lang="en-US" dirty="0" smtClean="0"/>
+              <a:t>SQL </a:t>
             </a:r>
             <a:r>
               <a:rPr lang="en-US" dirty="0"/>
@@ -13544,9 +14162,592 @@
   <p:timing>
     <p:tnLst>
       <p:par>
-        <p:cTn id="1" dur="indefinite" restart="never" nodeType="tmRoot"/>
+        <p:cTn id="1" dur="indefinite" restart="never" nodeType="tmRoot">
+          <p:childTnLst>
+            <p:seq concurrent="1" nextAc="seek">
+              <p:cTn id="2" dur="indefinite" nodeType="mainSeq">
+                <p:childTnLst>
+                  <p:par>
+                    <p:cTn id="3" fill="hold">
+                      <p:stCondLst>
+                        <p:cond delay="indefinite"/>
+                      </p:stCondLst>
+                      <p:childTnLst>
+                        <p:par>
+                          <p:cTn id="4" fill="hold">
+                            <p:stCondLst>
+                              <p:cond delay="0"/>
+                            </p:stCondLst>
+                            <p:childTnLst>
+                              <p:par>
+                                <p:cTn id="5" presetID="2" presetClass="entr" presetSubtype="4" fill="hold" grpId="0" nodeType="clickEffect">
+                                  <p:stCondLst>
+                                    <p:cond delay="0"/>
+                                  </p:stCondLst>
+                                  <p:childTnLst>
+                                    <p:set>
+                                      <p:cBhvr>
+                                        <p:cTn id="6" dur="1" fill="hold">
+                                          <p:stCondLst>
+                                            <p:cond delay="0"/>
+                                          </p:stCondLst>
+                                        </p:cTn>
+                                        <p:tgtEl>
+                                          <p:spTgt spid="3">
+                                            <p:txEl>
+                                              <p:pRg st="0" end="0"/>
+                                            </p:txEl>
+                                          </p:spTgt>
+                                        </p:tgtEl>
+                                        <p:attrNameLst>
+                                          <p:attrName>style.visibility</p:attrName>
+                                        </p:attrNameLst>
+                                      </p:cBhvr>
+                                      <p:to>
+                                        <p:strVal val="visible"/>
+                                      </p:to>
+                                    </p:set>
+                                    <p:anim calcmode="lin" valueType="num">
+                                      <p:cBhvr additive="base">
+                                        <p:cTn id="7" dur="500" fill="hold"/>
+                                        <p:tgtEl>
+                                          <p:spTgt spid="3">
+                                            <p:txEl>
+                                              <p:pRg st="0" end="0"/>
+                                            </p:txEl>
+                                          </p:spTgt>
+                                        </p:tgtEl>
+                                        <p:attrNameLst>
+                                          <p:attrName>ppt_x</p:attrName>
+                                        </p:attrNameLst>
+                                      </p:cBhvr>
+                                      <p:tavLst>
+                                        <p:tav tm="0">
+                                          <p:val>
+                                            <p:strVal val="#ppt_x"/>
+                                          </p:val>
+                                        </p:tav>
+                                        <p:tav tm="100000">
+                                          <p:val>
+                                            <p:strVal val="#ppt_x"/>
+                                          </p:val>
+                                        </p:tav>
+                                      </p:tavLst>
+                                    </p:anim>
+                                    <p:anim calcmode="lin" valueType="num">
+                                      <p:cBhvr additive="base">
+                                        <p:cTn id="8" dur="500" fill="hold"/>
+                                        <p:tgtEl>
+                                          <p:spTgt spid="3">
+                                            <p:txEl>
+                                              <p:pRg st="0" end="0"/>
+                                            </p:txEl>
+                                          </p:spTgt>
+                                        </p:tgtEl>
+                                        <p:attrNameLst>
+                                          <p:attrName>ppt_y</p:attrName>
+                                        </p:attrNameLst>
+                                      </p:cBhvr>
+                                      <p:tavLst>
+                                        <p:tav tm="0">
+                                          <p:val>
+                                            <p:strVal val="1+#ppt_h/2"/>
+                                          </p:val>
+                                        </p:tav>
+                                        <p:tav tm="100000">
+                                          <p:val>
+                                            <p:strVal val="#ppt_y"/>
+                                          </p:val>
+                                        </p:tav>
+                                      </p:tavLst>
+                                    </p:anim>
+                                  </p:childTnLst>
+                                </p:cTn>
+                              </p:par>
+                            </p:childTnLst>
+                          </p:cTn>
+                        </p:par>
+                      </p:childTnLst>
+                    </p:cTn>
+                  </p:par>
+                  <p:par>
+                    <p:cTn id="9" fill="hold">
+                      <p:stCondLst>
+                        <p:cond delay="indefinite"/>
+                      </p:stCondLst>
+                      <p:childTnLst>
+                        <p:par>
+                          <p:cTn id="10" fill="hold">
+                            <p:stCondLst>
+                              <p:cond delay="0"/>
+                            </p:stCondLst>
+                            <p:childTnLst>
+                              <p:par>
+                                <p:cTn id="11" presetID="31" presetClass="entr" presetSubtype="0" fill="hold" nodeType="clickEffect">
+                                  <p:stCondLst>
+                                    <p:cond delay="0"/>
+                                  </p:stCondLst>
+                                  <p:childTnLst>
+                                    <p:set>
+                                      <p:cBhvr>
+                                        <p:cTn id="12" dur="1" fill="hold">
+                                          <p:stCondLst>
+                                            <p:cond delay="0"/>
+                                          </p:stCondLst>
+                                        </p:cTn>
+                                        <p:tgtEl>
+                                          <p:spTgt spid="4"/>
+                                        </p:tgtEl>
+                                        <p:attrNameLst>
+                                          <p:attrName>style.visibility</p:attrName>
+                                        </p:attrNameLst>
+                                      </p:cBhvr>
+                                      <p:to>
+                                        <p:strVal val="visible"/>
+                                      </p:to>
+                                    </p:set>
+                                    <p:anim calcmode="lin" valueType="num">
+                                      <p:cBhvr>
+                                        <p:cTn id="13" dur="1000" fill="hold"/>
+                                        <p:tgtEl>
+                                          <p:spTgt spid="4"/>
+                                        </p:tgtEl>
+                                        <p:attrNameLst>
+                                          <p:attrName>ppt_w</p:attrName>
+                                        </p:attrNameLst>
+                                      </p:cBhvr>
+                                      <p:tavLst>
+                                        <p:tav tm="0">
+                                          <p:val>
+                                            <p:fltVal val="0"/>
+                                          </p:val>
+                                        </p:tav>
+                                        <p:tav tm="100000">
+                                          <p:val>
+                                            <p:strVal val="#ppt_w"/>
+                                          </p:val>
+                                        </p:tav>
+                                      </p:tavLst>
+                                    </p:anim>
+                                    <p:anim calcmode="lin" valueType="num">
+                                      <p:cBhvr>
+                                        <p:cTn id="14" dur="1000" fill="hold"/>
+                                        <p:tgtEl>
+                                          <p:spTgt spid="4"/>
+                                        </p:tgtEl>
+                                        <p:attrNameLst>
+                                          <p:attrName>ppt_h</p:attrName>
+                                        </p:attrNameLst>
+                                      </p:cBhvr>
+                                      <p:tavLst>
+                                        <p:tav tm="0">
+                                          <p:val>
+                                            <p:fltVal val="0"/>
+                                          </p:val>
+                                        </p:tav>
+                                        <p:tav tm="100000">
+                                          <p:val>
+                                            <p:strVal val="#ppt_h"/>
+                                          </p:val>
+                                        </p:tav>
+                                      </p:tavLst>
+                                    </p:anim>
+                                    <p:anim calcmode="lin" valueType="num">
+                                      <p:cBhvr>
+                                        <p:cTn id="15" dur="1000" fill="hold"/>
+                                        <p:tgtEl>
+                                          <p:spTgt spid="4"/>
+                                        </p:tgtEl>
+                                        <p:attrNameLst>
+                                          <p:attrName>style.rotation</p:attrName>
+                                        </p:attrNameLst>
+                                      </p:cBhvr>
+                                      <p:tavLst>
+                                        <p:tav tm="0">
+                                          <p:val>
+                                            <p:fltVal val="90"/>
+                                          </p:val>
+                                        </p:tav>
+                                        <p:tav tm="100000">
+                                          <p:val>
+                                            <p:fltVal val="0"/>
+                                          </p:val>
+                                        </p:tav>
+                                      </p:tavLst>
+                                    </p:anim>
+                                    <p:animEffect transition="in" filter="fade">
+                                      <p:cBhvr>
+                                        <p:cTn id="16" dur="1000"/>
+                                        <p:tgtEl>
+                                          <p:spTgt spid="4"/>
+                                        </p:tgtEl>
+                                      </p:cBhvr>
+                                    </p:animEffect>
+                                  </p:childTnLst>
+                                </p:cTn>
+                              </p:par>
+                              <p:par>
+                                <p:cTn id="17" presetID="31" presetClass="entr" presetSubtype="0" fill="hold" grpId="0" nodeType="withEffect">
+                                  <p:stCondLst>
+                                    <p:cond delay="0"/>
+                                  </p:stCondLst>
+                                  <p:childTnLst>
+                                    <p:set>
+                                      <p:cBhvr>
+                                        <p:cTn id="18" dur="1" fill="hold">
+                                          <p:stCondLst>
+                                            <p:cond delay="0"/>
+                                          </p:stCondLst>
+                                        </p:cTn>
+                                        <p:tgtEl>
+                                          <p:spTgt spid="6"/>
+                                        </p:tgtEl>
+                                        <p:attrNameLst>
+                                          <p:attrName>style.visibility</p:attrName>
+                                        </p:attrNameLst>
+                                      </p:cBhvr>
+                                      <p:to>
+                                        <p:strVal val="visible"/>
+                                      </p:to>
+                                    </p:set>
+                                    <p:anim calcmode="lin" valueType="num">
+                                      <p:cBhvr>
+                                        <p:cTn id="19" dur="1000" fill="hold"/>
+                                        <p:tgtEl>
+                                          <p:spTgt spid="6"/>
+                                        </p:tgtEl>
+                                        <p:attrNameLst>
+                                          <p:attrName>ppt_w</p:attrName>
+                                        </p:attrNameLst>
+                                      </p:cBhvr>
+                                      <p:tavLst>
+                                        <p:tav tm="0">
+                                          <p:val>
+                                            <p:fltVal val="0"/>
+                                          </p:val>
+                                        </p:tav>
+                                        <p:tav tm="100000">
+                                          <p:val>
+                                            <p:strVal val="#ppt_w"/>
+                                          </p:val>
+                                        </p:tav>
+                                      </p:tavLst>
+                                    </p:anim>
+                                    <p:anim calcmode="lin" valueType="num">
+                                      <p:cBhvr>
+                                        <p:cTn id="20" dur="1000" fill="hold"/>
+                                        <p:tgtEl>
+                                          <p:spTgt spid="6"/>
+                                        </p:tgtEl>
+                                        <p:attrNameLst>
+                                          <p:attrName>ppt_h</p:attrName>
+                                        </p:attrNameLst>
+                                      </p:cBhvr>
+                                      <p:tavLst>
+                                        <p:tav tm="0">
+                                          <p:val>
+                                            <p:fltVal val="0"/>
+                                          </p:val>
+                                        </p:tav>
+                                        <p:tav tm="100000">
+                                          <p:val>
+                                            <p:strVal val="#ppt_h"/>
+                                          </p:val>
+                                        </p:tav>
+                                      </p:tavLst>
+                                    </p:anim>
+                                    <p:anim calcmode="lin" valueType="num">
+                                      <p:cBhvr>
+                                        <p:cTn id="21" dur="1000" fill="hold"/>
+                                        <p:tgtEl>
+                                          <p:spTgt spid="6"/>
+                                        </p:tgtEl>
+                                        <p:attrNameLst>
+                                          <p:attrName>style.rotation</p:attrName>
+                                        </p:attrNameLst>
+                                      </p:cBhvr>
+                                      <p:tavLst>
+                                        <p:tav tm="0">
+                                          <p:val>
+                                            <p:fltVal val="90"/>
+                                          </p:val>
+                                        </p:tav>
+                                        <p:tav tm="100000">
+                                          <p:val>
+                                            <p:fltVal val="0"/>
+                                          </p:val>
+                                        </p:tav>
+                                      </p:tavLst>
+                                    </p:anim>
+                                    <p:animEffect transition="in" filter="fade">
+                                      <p:cBhvr>
+                                        <p:cTn id="22" dur="1000"/>
+                                        <p:tgtEl>
+                                          <p:spTgt spid="6"/>
+                                        </p:tgtEl>
+                                      </p:cBhvr>
+                                    </p:animEffect>
+                                  </p:childTnLst>
+                                </p:cTn>
+                              </p:par>
+                            </p:childTnLst>
+                          </p:cTn>
+                        </p:par>
+                      </p:childTnLst>
+                    </p:cTn>
+                  </p:par>
+                  <p:par>
+                    <p:cTn id="23" fill="hold">
+                      <p:stCondLst>
+                        <p:cond delay="indefinite"/>
+                      </p:stCondLst>
+                      <p:childTnLst>
+                        <p:par>
+                          <p:cTn id="24" fill="hold">
+                            <p:stCondLst>
+                              <p:cond delay="0"/>
+                            </p:stCondLst>
+                            <p:childTnLst>
+                              <p:par>
+                                <p:cTn id="25" presetID="31" presetClass="entr" presetSubtype="0" fill="hold" nodeType="clickEffect">
+                                  <p:stCondLst>
+                                    <p:cond delay="0"/>
+                                  </p:stCondLst>
+                                  <p:childTnLst>
+                                    <p:set>
+                                      <p:cBhvr>
+                                        <p:cTn id="26" dur="1" fill="hold">
+                                          <p:stCondLst>
+                                            <p:cond delay="0"/>
+                                          </p:stCondLst>
+                                        </p:cTn>
+                                        <p:tgtEl>
+                                          <p:spTgt spid="5"/>
+                                        </p:tgtEl>
+                                        <p:attrNameLst>
+                                          <p:attrName>style.visibility</p:attrName>
+                                        </p:attrNameLst>
+                                      </p:cBhvr>
+                                      <p:to>
+                                        <p:strVal val="visible"/>
+                                      </p:to>
+                                    </p:set>
+                                    <p:anim calcmode="lin" valueType="num">
+                                      <p:cBhvr>
+                                        <p:cTn id="27" dur="1000" fill="hold"/>
+                                        <p:tgtEl>
+                                          <p:spTgt spid="5"/>
+                                        </p:tgtEl>
+                                        <p:attrNameLst>
+                                          <p:attrName>ppt_w</p:attrName>
+                                        </p:attrNameLst>
+                                      </p:cBhvr>
+                                      <p:tavLst>
+                                        <p:tav tm="0">
+                                          <p:val>
+                                            <p:fltVal val="0"/>
+                                          </p:val>
+                                        </p:tav>
+                                        <p:tav tm="100000">
+                                          <p:val>
+                                            <p:strVal val="#ppt_w"/>
+                                          </p:val>
+                                        </p:tav>
+                                      </p:tavLst>
+                                    </p:anim>
+                                    <p:anim calcmode="lin" valueType="num">
+                                      <p:cBhvr>
+                                        <p:cTn id="28" dur="1000" fill="hold"/>
+                                        <p:tgtEl>
+                                          <p:spTgt spid="5"/>
+                                        </p:tgtEl>
+                                        <p:attrNameLst>
+                                          <p:attrName>ppt_h</p:attrName>
+                                        </p:attrNameLst>
+                                      </p:cBhvr>
+                                      <p:tavLst>
+                                        <p:tav tm="0">
+                                          <p:val>
+                                            <p:fltVal val="0"/>
+                                          </p:val>
+                                        </p:tav>
+                                        <p:tav tm="100000">
+                                          <p:val>
+                                            <p:strVal val="#ppt_h"/>
+                                          </p:val>
+                                        </p:tav>
+                                      </p:tavLst>
+                                    </p:anim>
+                                    <p:anim calcmode="lin" valueType="num">
+                                      <p:cBhvr>
+                                        <p:cTn id="29" dur="1000" fill="hold"/>
+                                        <p:tgtEl>
+                                          <p:spTgt spid="5"/>
+                                        </p:tgtEl>
+                                        <p:attrNameLst>
+                                          <p:attrName>style.rotation</p:attrName>
+                                        </p:attrNameLst>
+                                      </p:cBhvr>
+                                      <p:tavLst>
+                                        <p:tav tm="0">
+                                          <p:val>
+                                            <p:fltVal val="90"/>
+                                          </p:val>
+                                        </p:tav>
+                                        <p:tav tm="100000">
+                                          <p:val>
+                                            <p:fltVal val="0"/>
+                                          </p:val>
+                                        </p:tav>
+                                      </p:tavLst>
+                                    </p:anim>
+                                    <p:animEffect transition="in" filter="fade">
+                                      <p:cBhvr>
+                                        <p:cTn id="30" dur="1000"/>
+                                        <p:tgtEl>
+                                          <p:spTgt spid="5"/>
+                                        </p:tgtEl>
+                                      </p:cBhvr>
+                                    </p:animEffect>
+                                  </p:childTnLst>
+                                </p:cTn>
+                              </p:par>
+                              <p:par>
+                                <p:cTn id="31" presetID="31" presetClass="entr" presetSubtype="0" fill="hold" grpId="0" nodeType="withEffect">
+                                  <p:stCondLst>
+                                    <p:cond delay="0"/>
+                                  </p:stCondLst>
+                                  <p:childTnLst>
+                                    <p:set>
+                                      <p:cBhvr>
+                                        <p:cTn id="32" dur="1" fill="hold">
+                                          <p:stCondLst>
+                                            <p:cond delay="0"/>
+                                          </p:stCondLst>
+                                        </p:cTn>
+                                        <p:tgtEl>
+                                          <p:spTgt spid="7"/>
+                                        </p:tgtEl>
+                                        <p:attrNameLst>
+                                          <p:attrName>style.visibility</p:attrName>
+                                        </p:attrNameLst>
+                                      </p:cBhvr>
+                                      <p:to>
+                                        <p:strVal val="visible"/>
+                                      </p:to>
+                                    </p:set>
+                                    <p:anim calcmode="lin" valueType="num">
+                                      <p:cBhvr>
+                                        <p:cTn id="33" dur="1000" fill="hold"/>
+                                        <p:tgtEl>
+                                          <p:spTgt spid="7"/>
+                                        </p:tgtEl>
+                                        <p:attrNameLst>
+                                          <p:attrName>ppt_w</p:attrName>
+                                        </p:attrNameLst>
+                                      </p:cBhvr>
+                                      <p:tavLst>
+                                        <p:tav tm="0">
+                                          <p:val>
+                                            <p:fltVal val="0"/>
+                                          </p:val>
+                                        </p:tav>
+                                        <p:tav tm="100000">
+                                          <p:val>
+                                            <p:strVal val="#ppt_w"/>
+                                          </p:val>
+                                        </p:tav>
+                                      </p:tavLst>
+                                    </p:anim>
+                                    <p:anim calcmode="lin" valueType="num">
+                                      <p:cBhvr>
+                                        <p:cTn id="34" dur="1000" fill="hold"/>
+                                        <p:tgtEl>
+                                          <p:spTgt spid="7"/>
+                                        </p:tgtEl>
+                                        <p:attrNameLst>
+                                          <p:attrName>ppt_h</p:attrName>
+                                        </p:attrNameLst>
+                                      </p:cBhvr>
+                                      <p:tavLst>
+                                        <p:tav tm="0">
+                                          <p:val>
+                                            <p:fltVal val="0"/>
+                                          </p:val>
+                                        </p:tav>
+                                        <p:tav tm="100000">
+                                          <p:val>
+                                            <p:strVal val="#ppt_h"/>
+                                          </p:val>
+                                        </p:tav>
+                                      </p:tavLst>
+                                    </p:anim>
+                                    <p:anim calcmode="lin" valueType="num">
+                                      <p:cBhvr>
+                                        <p:cTn id="35" dur="1000" fill="hold"/>
+                                        <p:tgtEl>
+                                          <p:spTgt spid="7"/>
+                                        </p:tgtEl>
+                                        <p:attrNameLst>
+                                          <p:attrName>style.rotation</p:attrName>
+                                        </p:attrNameLst>
+                                      </p:cBhvr>
+                                      <p:tavLst>
+                                        <p:tav tm="0">
+                                          <p:val>
+                                            <p:fltVal val="90"/>
+                                          </p:val>
+                                        </p:tav>
+                                        <p:tav tm="100000">
+                                          <p:val>
+                                            <p:fltVal val="0"/>
+                                          </p:val>
+                                        </p:tav>
+                                      </p:tavLst>
+                                    </p:anim>
+                                    <p:animEffect transition="in" filter="fade">
+                                      <p:cBhvr>
+                                        <p:cTn id="36" dur="1000"/>
+                                        <p:tgtEl>
+                                          <p:spTgt spid="7"/>
+                                        </p:tgtEl>
+                                      </p:cBhvr>
+                                    </p:animEffect>
+                                  </p:childTnLst>
+                                </p:cTn>
+                              </p:par>
+                            </p:childTnLst>
+                          </p:cTn>
+                        </p:par>
+                      </p:childTnLst>
+                    </p:cTn>
+                  </p:par>
+                </p:childTnLst>
+              </p:cTn>
+              <p:prevCondLst>
+                <p:cond evt="onPrev" delay="0">
+                  <p:tgtEl>
+                    <p:sldTgt/>
+                  </p:tgtEl>
+                </p:cond>
+              </p:prevCondLst>
+              <p:nextCondLst>
+                <p:cond evt="onNext" delay="0">
+                  <p:tgtEl>
+                    <p:sldTgt/>
+                  </p:tgtEl>
+                </p:cond>
+              </p:nextCondLst>
+            </p:seq>
+          </p:childTnLst>
+        </p:cTn>
       </p:par>
     </p:tnLst>
+    <p:bldLst>
+      <p:bldP spid="3" grpId="0" build="p"/>
+      <p:bldP spid="6" grpId="0"/>
+      <p:bldP spid="7" grpId="0"/>
+    </p:bldLst>
   </p:timing>
 </p:sld>
 </file>
@@ -13913,9 +15114,234 @@
   <p:timing>
     <p:tnLst>
       <p:par>
-        <p:cTn id="1" dur="indefinite" restart="never" nodeType="tmRoot"/>
+        <p:cTn id="1" dur="indefinite" restart="never" nodeType="tmRoot">
+          <p:childTnLst>
+            <p:seq concurrent="1" nextAc="seek">
+              <p:cTn id="2" dur="indefinite" nodeType="mainSeq">
+                <p:childTnLst>
+                  <p:par>
+                    <p:cTn id="3" fill="hold">
+                      <p:stCondLst>
+                        <p:cond delay="indefinite"/>
+                      </p:stCondLst>
+                      <p:childTnLst>
+                        <p:par>
+                          <p:cTn id="4" fill="hold">
+                            <p:stCondLst>
+                              <p:cond delay="0"/>
+                            </p:stCondLst>
+                            <p:childTnLst>
+                              <p:par>
+                                <p:cTn id="5" presetID="53" presetClass="entr" presetSubtype="16" fill="hold" grpId="0" nodeType="clickEffect">
+                                  <p:stCondLst>
+                                    <p:cond delay="0"/>
+                                  </p:stCondLst>
+                                  <p:childTnLst>
+                                    <p:set>
+                                      <p:cBhvr>
+                                        <p:cTn id="6" dur="1" fill="hold">
+                                          <p:stCondLst>
+                                            <p:cond delay="0"/>
+                                          </p:stCondLst>
+                                        </p:cTn>
+                                        <p:tgtEl>
+                                          <p:spTgt spid="4"/>
+                                        </p:tgtEl>
+                                        <p:attrNameLst>
+                                          <p:attrName>style.visibility</p:attrName>
+                                        </p:attrNameLst>
+                                      </p:cBhvr>
+                                      <p:to>
+                                        <p:strVal val="visible"/>
+                                      </p:to>
+                                    </p:set>
+                                    <p:anim calcmode="lin" valueType="num">
+                                      <p:cBhvr>
+                                        <p:cTn id="7" dur="500" fill="hold"/>
+                                        <p:tgtEl>
+                                          <p:spTgt spid="4"/>
+                                        </p:tgtEl>
+                                        <p:attrNameLst>
+                                          <p:attrName>ppt_w</p:attrName>
+                                        </p:attrNameLst>
+                                      </p:cBhvr>
+                                      <p:tavLst>
+                                        <p:tav tm="0">
+                                          <p:val>
+                                            <p:fltVal val="0"/>
+                                          </p:val>
+                                        </p:tav>
+                                        <p:tav tm="100000">
+                                          <p:val>
+                                            <p:strVal val="#ppt_w"/>
+                                          </p:val>
+                                        </p:tav>
+                                      </p:tavLst>
+                                    </p:anim>
+                                    <p:anim calcmode="lin" valueType="num">
+                                      <p:cBhvr>
+                                        <p:cTn id="8" dur="500" fill="hold"/>
+                                        <p:tgtEl>
+                                          <p:spTgt spid="4"/>
+                                        </p:tgtEl>
+                                        <p:attrNameLst>
+                                          <p:attrName>ppt_h</p:attrName>
+                                        </p:attrNameLst>
+                                      </p:cBhvr>
+                                      <p:tavLst>
+                                        <p:tav tm="0">
+                                          <p:val>
+                                            <p:fltVal val="0"/>
+                                          </p:val>
+                                        </p:tav>
+                                        <p:tav tm="100000">
+                                          <p:val>
+                                            <p:strVal val="#ppt_h"/>
+                                          </p:val>
+                                        </p:tav>
+                                      </p:tavLst>
+                                    </p:anim>
+                                    <p:animEffect transition="in" filter="fade">
+                                      <p:cBhvr>
+                                        <p:cTn id="9" dur="500"/>
+                                        <p:tgtEl>
+                                          <p:spTgt spid="4"/>
+                                        </p:tgtEl>
+                                      </p:cBhvr>
+                                    </p:animEffect>
+                                  </p:childTnLst>
+                                </p:cTn>
+                              </p:par>
+                            </p:childTnLst>
+                          </p:cTn>
+                        </p:par>
+                      </p:childTnLst>
+                    </p:cTn>
+                  </p:par>
+                  <p:par>
+                    <p:cTn id="10" fill="hold">
+                      <p:stCondLst>
+                        <p:cond delay="indefinite"/>
+                      </p:stCondLst>
+                      <p:childTnLst>
+                        <p:par>
+                          <p:cTn id="11" fill="hold">
+                            <p:stCondLst>
+                              <p:cond delay="0"/>
+                            </p:stCondLst>
+                            <p:childTnLst>
+                              <p:par>
+                                <p:cTn id="12" presetID="53" presetClass="entr" presetSubtype="16" fill="hold" grpId="0" nodeType="clickEffect">
+                                  <p:stCondLst>
+                                    <p:cond delay="0"/>
+                                  </p:stCondLst>
+                                  <p:childTnLst>
+                                    <p:set>
+                                      <p:cBhvr>
+                                        <p:cTn id="13" dur="1" fill="hold">
+                                          <p:stCondLst>
+                                            <p:cond delay="0"/>
+                                          </p:stCondLst>
+                                        </p:cTn>
+                                        <p:tgtEl>
+                                          <p:spTgt spid="5"/>
+                                        </p:tgtEl>
+                                        <p:attrNameLst>
+                                          <p:attrName>style.visibility</p:attrName>
+                                        </p:attrNameLst>
+                                      </p:cBhvr>
+                                      <p:to>
+                                        <p:strVal val="visible"/>
+                                      </p:to>
+                                    </p:set>
+                                    <p:anim calcmode="lin" valueType="num">
+                                      <p:cBhvr>
+                                        <p:cTn id="14" dur="500" fill="hold"/>
+                                        <p:tgtEl>
+                                          <p:spTgt spid="5"/>
+                                        </p:tgtEl>
+                                        <p:attrNameLst>
+                                          <p:attrName>ppt_w</p:attrName>
+                                        </p:attrNameLst>
+                                      </p:cBhvr>
+                                      <p:tavLst>
+                                        <p:tav tm="0">
+                                          <p:val>
+                                            <p:fltVal val="0"/>
+                                          </p:val>
+                                        </p:tav>
+                                        <p:tav tm="100000">
+                                          <p:val>
+                                            <p:strVal val="#ppt_w"/>
+                                          </p:val>
+                                        </p:tav>
+                                      </p:tavLst>
+                                    </p:anim>
+                                    <p:anim calcmode="lin" valueType="num">
+                                      <p:cBhvr>
+                                        <p:cTn id="15" dur="500" fill="hold"/>
+                                        <p:tgtEl>
+                                          <p:spTgt spid="5"/>
+                                        </p:tgtEl>
+                                        <p:attrNameLst>
+                                          <p:attrName>ppt_h</p:attrName>
+                                        </p:attrNameLst>
+                                      </p:cBhvr>
+                                      <p:tavLst>
+                                        <p:tav tm="0">
+                                          <p:val>
+                                            <p:fltVal val="0"/>
+                                          </p:val>
+                                        </p:tav>
+                                        <p:tav tm="100000">
+                                          <p:val>
+                                            <p:strVal val="#ppt_h"/>
+                                          </p:val>
+                                        </p:tav>
+                                      </p:tavLst>
+                                    </p:anim>
+                                    <p:animEffect transition="in" filter="fade">
+                                      <p:cBhvr>
+                                        <p:cTn id="16" dur="500"/>
+                                        <p:tgtEl>
+                                          <p:spTgt spid="5"/>
+                                        </p:tgtEl>
+                                      </p:cBhvr>
+                                    </p:animEffect>
+                                  </p:childTnLst>
+                                </p:cTn>
+                              </p:par>
+                            </p:childTnLst>
+                          </p:cTn>
+                        </p:par>
+                      </p:childTnLst>
+                    </p:cTn>
+                  </p:par>
+                </p:childTnLst>
+              </p:cTn>
+              <p:prevCondLst>
+                <p:cond evt="onPrev" delay="0">
+                  <p:tgtEl>
+                    <p:sldTgt/>
+                  </p:tgtEl>
+                </p:cond>
+              </p:prevCondLst>
+              <p:nextCondLst>
+                <p:cond evt="onNext" delay="0">
+                  <p:tgtEl>
+                    <p:sldTgt/>
+                  </p:tgtEl>
+                </p:cond>
+              </p:nextCondLst>
+            </p:seq>
+          </p:childTnLst>
+        </p:cTn>
       </p:par>
     </p:tnLst>
+    <p:bldLst>
+      <p:bldP spid="4" grpId="0"/>
+      <p:bldP spid="5" grpId="0"/>
+    </p:bldLst>
   </p:timing>
 </p:sld>
 </file>
@@ -14148,9 +15574,192 @@
   <p:timing>
     <p:tnLst>
       <p:par>
-        <p:cTn id="1" dur="indefinite" restart="never" nodeType="tmRoot"/>
+        <p:cTn id="1" dur="indefinite" restart="never" nodeType="tmRoot">
+          <p:childTnLst>
+            <p:seq concurrent="1" nextAc="seek">
+              <p:cTn id="2" dur="indefinite" nodeType="mainSeq">
+                <p:childTnLst>
+                  <p:par>
+                    <p:cTn id="3" fill="hold">
+                      <p:stCondLst>
+                        <p:cond delay="indefinite"/>
+                      </p:stCondLst>
+                      <p:childTnLst>
+                        <p:par>
+                          <p:cTn id="4" fill="hold">
+                            <p:stCondLst>
+                              <p:cond delay="0"/>
+                            </p:stCondLst>
+                            <p:childTnLst>
+                              <p:par>
+                                <p:cTn id="5" presetID="2" presetClass="entr" presetSubtype="4" fill="hold" grpId="0" nodeType="clickEffect">
+                                  <p:stCondLst>
+                                    <p:cond delay="0"/>
+                                  </p:stCondLst>
+                                  <p:childTnLst>
+                                    <p:set>
+                                      <p:cBhvr>
+                                        <p:cTn id="6" dur="1" fill="hold">
+                                          <p:stCondLst>
+                                            <p:cond delay="0"/>
+                                          </p:stCondLst>
+                                        </p:cTn>
+                                        <p:tgtEl>
+                                          <p:spTgt spid="3">
+                                            <p:txEl>
+                                              <p:pRg st="0" end="0"/>
+                                            </p:txEl>
+                                          </p:spTgt>
+                                        </p:tgtEl>
+                                        <p:attrNameLst>
+                                          <p:attrName>style.visibility</p:attrName>
+                                        </p:attrNameLst>
+                                      </p:cBhvr>
+                                      <p:to>
+                                        <p:strVal val="visible"/>
+                                      </p:to>
+                                    </p:set>
+                                    <p:anim calcmode="lin" valueType="num">
+                                      <p:cBhvr additive="base">
+                                        <p:cTn id="7" dur="500" fill="hold"/>
+                                        <p:tgtEl>
+                                          <p:spTgt spid="3">
+                                            <p:txEl>
+                                              <p:pRg st="0" end="0"/>
+                                            </p:txEl>
+                                          </p:spTgt>
+                                        </p:tgtEl>
+                                        <p:attrNameLst>
+                                          <p:attrName>ppt_x</p:attrName>
+                                        </p:attrNameLst>
+                                      </p:cBhvr>
+                                      <p:tavLst>
+                                        <p:tav tm="0">
+                                          <p:val>
+                                            <p:strVal val="#ppt_x"/>
+                                          </p:val>
+                                        </p:tav>
+                                        <p:tav tm="100000">
+                                          <p:val>
+                                            <p:strVal val="#ppt_x"/>
+                                          </p:val>
+                                        </p:tav>
+                                      </p:tavLst>
+                                    </p:anim>
+                                    <p:anim calcmode="lin" valueType="num">
+                                      <p:cBhvr additive="base">
+                                        <p:cTn id="8" dur="500" fill="hold"/>
+                                        <p:tgtEl>
+                                          <p:spTgt spid="3">
+                                            <p:txEl>
+                                              <p:pRg st="0" end="0"/>
+                                            </p:txEl>
+                                          </p:spTgt>
+                                        </p:tgtEl>
+                                        <p:attrNameLst>
+                                          <p:attrName>ppt_y</p:attrName>
+                                        </p:attrNameLst>
+                                      </p:cBhvr>
+                                      <p:tavLst>
+                                        <p:tav tm="0">
+                                          <p:val>
+                                            <p:strVal val="1+#ppt_h/2"/>
+                                          </p:val>
+                                        </p:tav>
+                                        <p:tav tm="100000">
+                                          <p:val>
+                                            <p:strVal val="#ppt_y"/>
+                                          </p:val>
+                                        </p:tav>
+                                      </p:tavLst>
+                                    </p:anim>
+                                  </p:childTnLst>
+                                </p:cTn>
+                              </p:par>
+                            </p:childTnLst>
+                          </p:cTn>
+                        </p:par>
+                      </p:childTnLst>
+                    </p:cTn>
+                  </p:par>
+                  <p:par>
+                    <p:cTn id="9" fill="hold">
+                      <p:stCondLst>
+                        <p:cond delay="indefinite"/>
+                      </p:stCondLst>
+                      <p:childTnLst>
+                        <p:par>
+                          <p:cTn id="10" fill="hold">
+                            <p:stCondLst>
+                              <p:cond delay="0"/>
+                            </p:stCondLst>
+                            <p:childTnLst>
+                              <p:par>
+                                <p:cTn id="11" presetID="21" presetClass="entr" presetSubtype="1" fill="hold" grpId="0" nodeType="clickEffect">
+                                  <p:stCondLst>
+                                    <p:cond delay="0"/>
+                                  </p:stCondLst>
+                                  <p:childTnLst>
+                                    <p:set>
+                                      <p:cBhvr>
+                                        <p:cTn id="12" dur="1" fill="hold">
+                                          <p:stCondLst>
+                                            <p:cond delay="0"/>
+                                          </p:stCondLst>
+                                        </p:cTn>
+                                        <p:tgtEl>
+                                          <p:spTgt spid="4"/>
+                                        </p:tgtEl>
+                                        <p:attrNameLst>
+                                          <p:attrName>style.visibility</p:attrName>
+                                        </p:attrNameLst>
+                                      </p:cBhvr>
+                                      <p:to>
+                                        <p:strVal val="visible"/>
+                                      </p:to>
+                                    </p:set>
+                                    <p:animEffect transition="in" filter="wheel(1)">
+                                      <p:cBhvr>
+                                        <p:cTn id="13" dur="2000"/>
+                                        <p:tgtEl>
+                                          <p:spTgt spid="4"/>
+                                        </p:tgtEl>
+                                      </p:cBhvr>
+                                    </p:animEffect>
+                                  </p:childTnLst>
+                                </p:cTn>
+                              </p:par>
+                            </p:childTnLst>
+                          </p:cTn>
+                        </p:par>
+                      </p:childTnLst>
+                    </p:cTn>
+                  </p:par>
+                </p:childTnLst>
+              </p:cTn>
+              <p:prevCondLst>
+                <p:cond evt="onPrev" delay="0">
+                  <p:tgtEl>
+                    <p:sldTgt/>
+                  </p:tgtEl>
+                </p:cond>
+              </p:prevCondLst>
+              <p:nextCondLst>
+                <p:cond evt="onNext" delay="0">
+                  <p:tgtEl>
+                    <p:sldTgt/>
+                  </p:tgtEl>
+                </p:cond>
+              </p:nextCondLst>
+            </p:seq>
+          </p:childTnLst>
+        </p:cTn>
       </p:par>
     </p:tnLst>
+    <p:bldLst>
+      <p:bldP spid="3" grpId="0" build="p"/>
+      <p:bldP spid="4" grpId="0"/>
+    </p:bldLst>
   </p:timing>
 </p:sld>
 </file>
@@ -14215,7 +15824,326 @@
   <p:timing>
     <p:tnLst>
       <p:par>
-        <p:cTn id="1" dur="indefinite" restart="never" nodeType="tmRoot"/>
+        <p:cTn id="1" dur="indefinite" restart="never" nodeType="tmRoot">
+          <p:childTnLst>
+            <p:seq concurrent="1" nextAc="seek">
+              <p:cTn id="2" dur="indefinite" nodeType="mainSeq">
+                <p:childTnLst>
+                  <p:par>
+                    <p:cTn id="3" fill="hold">
+                      <p:stCondLst>
+                        <p:cond delay="indefinite"/>
+                      </p:stCondLst>
+                      <p:childTnLst>
+                        <p:par>
+                          <p:cTn id="4" fill="hold">
+                            <p:stCondLst>
+                              <p:cond delay="0"/>
+                            </p:stCondLst>
+                            <p:childTnLst>
+                              <p:par>
+                                <p:cTn id="5" presetID="26" presetClass="entr" presetSubtype="0" fill="hold" nodeType="clickEffect">
+                                  <p:stCondLst>
+                                    <p:cond delay="0"/>
+                                  </p:stCondLst>
+                                  <p:childTnLst>
+                                    <p:set>
+                                      <p:cBhvr>
+                                        <p:cTn id="6" dur="1" fill="hold">
+                                          <p:stCondLst>
+                                            <p:cond delay="0"/>
+                                          </p:stCondLst>
+                                        </p:cTn>
+                                        <p:tgtEl>
+                                          <p:spTgt spid="4"/>
+                                        </p:tgtEl>
+                                        <p:attrNameLst>
+                                          <p:attrName>style.visibility</p:attrName>
+                                        </p:attrNameLst>
+                                      </p:cBhvr>
+                                      <p:to>
+                                        <p:strVal val="visible"/>
+                                      </p:to>
+                                    </p:set>
+                                    <p:animEffect transition="in" filter="wipe(down)">
+                                      <p:cBhvr>
+                                        <p:cTn id="7" dur="580">
+                                          <p:stCondLst>
+                                            <p:cond delay="0"/>
+                                          </p:stCondLst>
+                                        </p:cTn>
+                                        <p:tgtEl>
+                                          <p:spTgt spid="4"/>
+                                        </p:tgtEl>
+                                      </p:cBhvr>
+                                    </p:animEffect>
+                                    <p:anim calcmode="lin" valueType="num">
+                                      <p:cBhvr>
+                                        <p:cTn id="8" dur="1822" tmFilter="0,0; 0.14,0.36; 0.43,0.73; 0.71,0.91; 1.0,1.0">
+                                          <p:stCondLst>
+                                            <p:cond delay="0"/>
+                                          </p:stCondLst>
+                                        </p:cTn>
+                                        <p:tgtEl>
+                                          <p:spTgt spid="4"/>
+                                        </p:tgtEl>
+                                        <p:attrNameLst>
+                                          <p:attrName>ppt_x</p:attrName>
+                                        </p:attrNameLst>
+                                      </p:cBhvr>
+                                      <p:tavLst>
+                                        <p:tav tm="0">
+                                          <p:val>
+                                            <p:strVal val="#ppt_x-0.25"/>
+                                          </p:val>
+                                        </p:tav>
+                                        <p:tav tm="100000">
+                                          <p:val>
+                                            <p:strVal val="#ppt_x"/>
+                                          </p:val>
+                                        </p:tav>
+                                      </p:tavLst>
+                                    </p:anim>
+                                    <p:anim calcmode="lin" valueType="num">
+                                      <p:cBhvr>
+                                        <p:cTn id="9" dur="664" tmFilter="0.0,0.0; 0.25,0.07; 0.50,0.2; 0.75,0.467; 1.0,1.0">
+                                          <p:stCondLst>
+                                            <p:cond delay="0"/>
+                                          </p:stCondLst>
+                                        </p:cTn>
+                                        <p:tgtEl>
+                                          <p:spTgt spid="4"/>
+                                        </p:tgtEl>
+                                        <p:attrNameLst>
+                                          <p:attrName>ppt_y</p:attrName>
+                                        </p:attrNameLst>
+                                      </p:cBhvr>
+                                      <p:tavLst>
+                                        <p:tav tm="0" fmla="#ppt_y-sin(pi*$)/3">
+                                          <p:val>
+                                            <p:fltVal val="0.5"/>
+                                          </p:val>
+                                        </p:tav>
+                                        <p:tav tm="100000">
+                                          <p:val>
+                                            <p:fltVal val="1"/>
+                                          </p:val>
+                                        </p:tav>
+                                      </p:tavLst>
+                                    </p:anim>
+                                    <p:anim calcmode="lin" valueType="num">
+                                      <p:cBhvr>
+                                        <p:cTn id="10" dur="664" tmFilter="0, 0; 0.125,0.2665; 0.25,0.4; 0.375,0.465; 0.5,0.5;  0.625,0.535; 0.75,0.6; 0.875,0.7335; 1,1">
+                                          <p:stCondLst>
+                                            <p:cond delay="664"/>
+                                          </p:stCondLst>
+                                        </p:cTn>
+                                        <p:tgtEl>
+                                          <p:spTgt spid="4"/>
+                                        </p:tgtEl>
+                                        <p:attrNameLst>
+                                          <p:attrName>ppt_y</p:attrName>
+                                        </p:attrNameLst>
+                                      </p:cBhvr>
+                                      <p:tavLst>
+                                        <p:tav tm="0" fmla="#ppt_y-sin(pi*$)/9">
+                                          <p:val>
+                                            <p:fltVal val="0"/>
+                                          </p:val>
+                                        </p:tav>
+                                        <p:tav tm="100000">
+                                          <p:val>
+                                            <p:fltVal val="1"/>
+                                          </p:val>
+                                        </p:tav>
+                                      </p:tavLst>
+                                    </p:anim>
+                                    <p:anim calcmode="lin" valueType="num">
+                                      <p:cBhvr>
+                                        <p:cTn id="11" dur="332" tmFilter="0, 0; 0.125,0.2665; 0.25,0.4; 0.375,0.465; 0.5,0.5;  0.625,0.535; 0.75,0.6; 0.875,0.7335; 1,1">
+                                          <p:stCondLst>
+                                            <p:cond delay="1324"/>
+                                          </p:stCondLst>
+                                        </p:cTn>
+                                        <p:tgtEl>
+                                          <p:spTgt spid="4"/>
+                                        </p:tgtEl>
+                                        <p:attrNameLst>
+                                          <p:attrName>ppt_y</p:attrName>
+                                        </p:attrNameLst>
+                                      </p:cBhvr>
+                                      <p:tavLst>
+                                        <p:tav tm="0" fmla="#ppt_y-sin(pi*$)/27">
+                                          <p:val>
+                                            <p:fltVal val="0"/>
+                                          </p:val>
+                                        </p:tav>
+                                        <p:tav tm="100000">
+                                          <p:val>
+                                            <p:fltVal val="1"/>
+                                          </p:val>
+                                        </p:tav>
+                                      </p:tavLst>
+                                    </p:anim>
+                                    <p:anim calcmode="lin" valueType="num">
+                                      <p:cBhvr>
+                                        <p:cTn id="12" dur="164" tmFilter="0, 0; 0.125,0.2665; 0.25,0.4; 0.375,0.465; 0.5,0.5;  0.625,0.535; 0.75,0.6; 0.875,0.7335; 1,1">
+                                          <p:stCondLst>
+                                            <p:cond delay="1656"/>
+                                          </p:stCondLst>
+                                        </p:cTn>
+                                        <p:tgtEl>
+                                          <p:spTgt spid="4"/>
+                                        </p:tgtEl>
+                                        <p:attrNameLst>
+                                          <p:attrName>ppt_y</p:attrName>
+                                        </p:attrNameLst>
+                                      </p:cBhvr>
+                                      <p:tavLst>
+                                        <p:tav tm="0" fmla="#ppt_y-sin(pi*$)/81">
+                                          <p:val>
+                                            <p:fltVal val="0"/>
+                                          </p:val>
+                                        </p:tav>
+                                        <p:tav tm="100000">
+                                          <p:val>
+                                            <p:fltVal val="1"/>
+                                          </p:val>
+                                        </p:tav>
+                                      </p:tavLst>
+                                    </p:anim>
+                                    <p:animScale>
+                                      <p:cBhvr>
+                                        <p:cTn id="13" dur="26">
+                                          <p:stCondLst>
+                                            <p:cond delay="650"/>
+                                          </p:stCondLst>
+                                        </p:cTn>
+                                        <p:tgtEl>
+                                          <p:spTgt spid="4"/>
+                                        </p:tgtEl>
+                                      </p:cBhvr>
+                                      <p:to x="100000" y="60000"/>
+                                    </p:animScale>
+                                    <p:animScale>
+                                      <p:cBhvr>
+                                        <p:cTn id="14" dur="166" decel="50000">
+                                          <p:stCondLst>
+                                            <p:cond delay="676"/>
+                                          </p:stCondLst>
+                                        </p:cTn>
+                                        <p:tgtEl>
+                                          <p:spTgt spid="4"/>
+                                        </p:tgtEl>
+                                      </p:cBhvr>
+                                      <p:to x="100000" y="100000"/>
+                                    </p:animScale>
+                                    <p:animScale>
+                                      <p:cBhvr>
+                                        <p:cTn id="15" dur="26">
+                                          <p:stCondLst>
+                                            <p:cond delay="1312"/>
+                                          </p:stCondLst>
+                                        </p:cTn>
+                                        <p:tgtEl>
+                                          <p:spTgt spid="4"/>
+                                        </p:tgtEl>
+                                      </p:cBhvr>
+                                      <p:to x="100000" y="80000"/>
+                                    </p:animScale>
+                                    <p:animScale>
+                                      <p:cBhvr>
+                                        <p:cTn id="16" dur="166" decel="50000">
+                                          <p:stCondLst>
+                                            <p:cond delay="1338"/>
+                                          </p:stCondLst>
+                                        </p:cTn>
+                                        <p:tgtEl>
+                                          <p:spTgt spid="4"/>
+                                        </p:tgtEl>
+                                      </p:cBhvr>
+                                      <p:to x="100000" y="100000"/>
+                                    </p:animScale>
+                                    <p:animScale>
+                                      <p:cBhvr>
+                                        <p:cTn id="17" dur="26">
+                                          <p:stCondLst>
+                                            <p:cond delay="1642"/>
+                                          </p:stCondLst>
+                                        </p:cTn>
+                                        <p:tgtEl>
+                                          <p:spTgt spid="4"/>
+                                        </p:tgtEl>
+                                      </p:cBhvr>
+                                      <p:to x="100000" y="90000"/>
+                                    </p:animScale>
+                                    <p:animScale>
+                                      <p:cBhvr>
+                                        <p:cTn id="18" dur="166" decel="50000">
+                                          <p:stCondLst>
+                                            <p:cond delay="1668"/>
+                                          </p:stCondLst>
+                                        </p:cTn>
+                                        <p:tgtEl>
+                                          <p:spTgt spid="4"/>
+                                        </p:tgtEl>
+                                      </p:cBhvr>
+                                      <p:to x="100000" y="100000"/>
+                                    </p:animScale>
+                                    <p:animScale>
+                                      <p:cBhvr>
+                                        <p:cTn id="19" dur="26">
+                                          <p:stCondLst>
+                                            <p:cond delay="1808"/>
+                                          </p:stCondLst>
+                                        </p:cTn>
+                                        <p:tgtEl>
+                                          <p:spTgt spid="4"/>
+                                        </p:tgtEl>
+                                      </p:cBhvr>
+                                      <p:to x="100000" y="95000"/>
+                                    </p:animScale>
+                                    <p:animScale>
+                                      <p:cBhvr>
+                                        <p:cTn id="20" dur="166" decel="50000">
+                                          <p:stCondLst>
+                                            <p:cond delay="1834"/>
+                                          </p:stCondLst>
+                                        </p:cTn>
+                                        <p:tgtEl>
+                                          <p:spTgt spid="4"/>
+                                        </p:tgtEl>
+                                      </p:cBhvr>
+                                      <p:to x="100000" y="100000"/>
+                                    </p:animScale>
+                                  </p:childTnLst>
+                                </p:cTn>
+                              </p:par>
+                            </p:childTnLst>
+                          </p:cTn>
+                        </p:par>
+                      </p:childTnLst>
+                    </p:cTn>
+                  </p:par>
+                </p:childTnLst>
+              </p:cTn>
+              <p:prevCondLst>
+                <p:cond evt="onPrev" delay="0">
+                  <p:tgtEl>
+                    <p:sldTgt/>
+                  </p:tgtEl>
+                </p:cond>
+              </p:prevCondLst>
+              <p:nextCondLst>
+                <p:cond evt="onNext" delay="0">
+                  <p:tgtEl>
+                    <p:sldTgt/>
+                  </p:tgtEl>
+                </p:cond>
+              </p:nextCondLst>
+            </p:seq>
+          </p:childTnLst>
+        </p:cTn>
       </p:par>
     </p:tnLst>
   </p:timing>

--- a/Milestone 2/SDV602 PPT for video presentation.pptx
+++ b/Milestone 2/SDV602 PPT for video presentation.pptx
@@ -4300,7 +4300,7 @@
           </a:lstStyle>
           <a:p>
             <a:r>
-              <a:rPr lang="en-US" smtClean="0"/>
+              <a:rPr lang="en-US"/>
               <a:t>Click to edit Master title style</a:t>
             </a:r>
             <a:endParaRPr lang="en-US" dirty="0"/>
@@ -4371,7 +4371,7 @@
           </a:lstStyle>
           <a:p>
             <a:r>
-              <a:rPr lang="en-US" smtClean="0"/>
+              <a:rPr lang="en-US"/>
               <a:t>Click to edit Master subtitle style</a:t>
             </a:r>
             <a:endParaRPr lang="en-US" dirty="0"/>
@@ -4515,7 +4515,7 @@
           </a:lstStyle>
           <a:p>
             <a:r>
-              <a:rPr lang="en-US" smtClean="0"/>
+              <a:rPr lang="en-US"/>
               <a:t>Click to edit Master title style</a:t>
             </a:r>
             <a:endParaRPr lang="en-US" dirty="0"/>
@@ -4576,7 +4576,7 @@
               <a:buNone/>
             </a:pPr>
             <a:r>
-              <a:rPr lang="en-US" smtClean="0"/>
+              <a:rPr lang="en-US"/>
               <a:t>Click icon to add picture</a:t>
             </a:r>
             <a:endParaRPr lang="en-US" dirty="0"/>
@@ -4644,7 +4644,7 @@
           <a:p>
             <a:pPr lvl="0"/>
             <a:r>
-              <a:rPr lang="en-US" smtClean="0"/>
+              <a:rPr lang="en-US"/>
               <a:t>Click to edit Master text styles</a:t>
             </a:r>
           </a:p>
@@ -4772,7 +4772,7 @@
           </a:lstStyle>
           <a:p>
             <a:r>
-              <a:rPr lang="en-US" smtClean="0"/>
+              <a:rPr lang="en-US"/>
               <a:t>Click to edit Master title style</a:t>
             </a:r>
             <a:endParaRPr lang="en-US" dirty="0"/>
@@ -4840,7 +4840,7 @@
           <a:p>
             <a:pPr lvl="0"/>
             <a:r>
-              <a:rPr lang="en-US" smtClean="0"/>
+              <a:rPr lang="en-US"/>
               <a:t>Click to edit Master text styles</a:t>
             </a:r>
           </a:p>
@@ -4968,7 +4968,7 @@
           </a:lstStyle>
           <a:p>
             <a:r>
-              <a:rPr lang="en-US" smtClean="0"/>
+              <a:rPr lang="en-US"/>
               <a:t>Click to edit Master title style</a:t>
             </a:r>
             <a:endParaRPr lang="en-US" dirty="0"/>
@@ -5036,7 +5036,7 @@
           <a:p>
             <a:pPr lvl="0"/>
             <a:r>
-              <a:rPr lang="en-US" smtClean="0"/>
+              <a:rPr lang="en-US"/>
               <a:t>Click to edit Master text styles</a:t>
             </a:r>
           </a:p>
@@ -5103,7 +5103,7 @@
           <a:p>
             <a:pPr lvl="0"/>
             <a:r>
-              <a:rPr lang="en-US" smtClean="0"/>
+              <a:rPr lang="en-US"/>
               <a:t>Click to edit Master text styles</a:t>
             </a:r>
           </a:p>
@@ -5469,7 +5469,7 @@
           </a:lstStyle>
           <a:p>
             <a:r>
-              <a:rPr lang="en-US" smtClean="0"/>
+              <a:rPr lang="en-US"/>
               <a:t>Click to edit Master title style</a:t>
             </a:r>
             <a:endParaRPr lang="en-US" dirty="0"/>
@@ -5537,7 +5537,7 @@
           <a:p>
             <a:pPr lvl="0"/>
             <a:r>
-              <a:rPr lang="en-US" smtClean="0"/>
+              <a:rPr lang="en-US"/>
               <a:t>Click to edit Master text styles</a:t>
             </a:r>
           </a:p>
@@ -5659,7 +5659,7 @@
           <a:lstStyle/>
           <a:p>
             <a:r>
-              <a:rPr lang="en-US" smtClean="0"/>
+              <a:rPr lang="en-US"/>
               <a:t>Click to edit Master title style</a:t>
             </a:r>
             <a:endParaRPr lang="en-US" dirty="0"/>
@@ -5734,7 +5734,7 @@
           <a:p>
             <a:pPr lvl="0"/>
             <a:r>
-              <a:rPr lang="en-US" smtClean="0"/>
+              <a:rPr lang="en-US"/>
               <a:t>Click to edit Master text styles</a:t>
             </a:r>
           </a:p>
@@ -5801,7 +5801,7 @@
           <a:p>
             <a:pPr lvl="0"/>
             <a:r>
-              <a:rPr lang="en-US" smtClean="0"/>
+              <a:rPr lang="en-US"/>
               <a:t>Click to edit Master text styles</a:t>
             </a:r>
           </a:p>
@@ -5875,7 +5875,7 @@
           <a:p>
             <a:pPr lvl="0"/>
             <a:r>
-              <a:rPr lang="en-US" smtClean="0"/>
+              <a:rPr lang="en-US"/>
               <a:t>Click to edit Master text styles</a:t>
             </a:r>
           </a:p>
@@ -5942,7 +5942,7 @@
           <a:p>
             <a:pPr lvl="0"/>
             <a:r>
-              <a:rPr lang="en-US" smtClean="0"/>
+              <a:rPr lang="en-US"/>
               <a:t>Click to edit Master text styles</a:t>
             </a:r>
           </a:p>
@@ -6016,7 +6016,7 @@
           <a:p>
             <a:pPr lvl="0"/>
             <a:r>
-              <a:rPr lang="en-US" smtClean="0"/>
+              <a:rPr lang="en-US"/>
               <a:t>Click to edit Master text styles</a:t>
             </a:r>
           </a:p>
@@ -6083,7 +6083,7 @@
           <a:p>
             <a:pPr lvl="0"/>
             <a:r>
-              <a:rPr lang="en-US" smtClean="0"/>
+              <a:rPr lang="en-US"/>
               <a:t>Click to edit Master text styles</a:t>
             </a:r>
           </a:p>
@@ -6205,7 +6205,7 @@
           <a:lstStyle/>
           <a:p>
             <a:r>
-              <a:rPr lang="en-US" smtClean="0"/>
+              <a:rPr lang="en-US"/>
               <a:t>Click to edit Master title style</a:t>
             </a:r>
             <a:endParaRPr lang="en-US" dirty="0"/>
@@ -6280,7 +6280,7 @@
           <a:p>
             <a:pPr lvl="0"/>
             <a:r>
-              <a:rPr lang="en-US" smtClean="0"/>
+              <a:rPr lang="en-US"/>
               <a:t>Click to edit Master text styles</a:t>
             </a:r>
           </a:p>
@@ -6337,7 +6337,7 @@
               <a:buNone/>
             </a:pPr>
             <a:r>
-              <a:rPr lang="en-US" smtClean="0"/>
+              <a:rPr lang="en-US"/>
               <a:t>Click icon to add picture</a:t>
             </a:r>
             <a:endParaRPr lang="en-US" dirty="0"/>
@@ -6405,7 +6405,7 @@
           <a:p>
             <a:pPr lvl="0"/>
             <a:r>
-              <a:rPr lang="en-US" smtClean="0"/>
+              <a:rPr lang="en-US"/>
               <a:t>Click to edit Master text styles</a:t>
             </a:r>
           </a:p>
@@ -6479,7 +6479,7 @@
           <a:p>
             <a:pPr lvl="0"/>
             <a:r>
-              <a:rPr lang="en-US" smtClean="0"/>
+              <a:rPr lang="en-US"/>
               <a:t>Click to edit Master text styles</a:t>
             </a:r>
           </a:p>
@@ -6536,7 +6536,7 @@
               <a:buNone/>
             </a:pPr>
             <a:r>
-              <a:rPr lang="en-US" smtClean="0"/>
+              <a:rPr lang="en-US"/>
               <a:t>Click icon to add picture</a:t>
             </a:r>
             <a:endParaRPr lang="en-US" dirty="0"/>
@@ -6604,7 +6604,7 @@
           <a:p>
             <a:pPr lvl="0"/>
             <a:r>
-              <a:rPr lang="en-US" smtClean="0"/>
+              <a:rPr lang="en-US"/>
               <a:t>Click to edit Master text styles</a:t>
             </a:r>
           </a:p>
@@ -6678,7 +6678,7 @@
           <a:p>
             <a:pPr lvl="0"/>
             <a:r>
-              <a:rPr lang="en-US" smtClean="0"/>
+              <a:rPr lang="en-US"/>
               <a:t>Click to edit Master text styles</a:t>
             </a:r>
           </a:p>
@@ -6735,7 +6735,7 @@
               <a:buNone/>
             </a:pPr>
             <a:r>
-              <a:rPr lang="en-US" smtClean="0"/>
+              <a:rPr lang="en-US"/>
               <a:t>Click icon to add picture</a:t>
             </a:r>
             <a:endParaRPr lang="en-US" dirty="0"/>
@@ -6803,7 +6803,7 @@
           <a:p>
             <a:pPr lvl="0"/>
             <a:r>
-              <a:rPr lang="en-US" smtClean="0"/>
+              <a:rPr lang="en-US"/>
               <a:t>Click to edit Master text styles</a:t>
             </a:r>
           </a:p>
@@ -6920,7 +6920,7 @@
           <a:lstStyle/>
           <a:p>
             <a:r>
-              <a:rPr lang="en-US" smtClean="0"/>
+              <a:rPr lang="en-US"/>
               <a:t>Click to edit Master title style</a:t>
             </a:r>
             <a:endParaRPr lang="en-US" dirty="0"/>
@@ -6944,35 +6944,35 @@
           <a:p>
             <a:pPr lvl="0"/>
             <a:r>
-              <a:rPr lang="en-US" smtClean="0"/>
+              <a:rPr lang="en-US"/>
               <a:t>Click to edit Master text styles</a:t>
             </a:r>
           </a:p>
           <a:p>
             <a:pPr lvl="1"/>
             <a:r>
-              <a:rPr lang="en-US" smtClean="0"/>
+              <a:rPr lang="en-US"/>
               <a:t>Second level</a:t>
             </a:r>
           </a:p>
           <a:p>
             <a:pPr lvl="2"/>
             <a:r>
-              <a:rPr lang="en-US" smtClean="0"/>
+              <a:rPr lang="en-US"/>
               <a:t>Third level</a:t>
             </a:r>
           </a:p>
           <a:p>
             <a:pPr lvl="3"/>
             <a:r>
-              <a:rPr lang="en-US" smtClean="0"/>
+              <a:rPr lang="en-US"/>
               <a:t>Fourth level</a:t>
             </a:r>
           </a:p>
           <a:p>
             <a:pPr lvl="4"/>
             <a:r>
-              <a:rPr lang="en-US" smtClean="0"/>
+              <a:rPr lang="en-US"/>
               <a:t>Fifth level</a:t>
             </a:r>
             <a:endParaRPr lang="en-US" dirty="0"/>
@@ -7095,7 +7095,7 @@
           <a:lstStyle/>
           <a:p>
             <a:r>
-              <a:rPr lang="en-US" smtClean="0"/>
+              <a:rPr lang="en-US"/>
               <a:t>Click to edit Master title style</a:t>
             </a:r>
             <a:endParaRPr lang="en-US" dirty="0"/>
@@ -7124,35 +7124,35 @@
           <a:p>
             <a:pPr lvl="0"/>
             <a:r>
-              <a:rPr lang="en-US" smtClean="0"/>
+              <a:rPr lang="en-US"/>
               <a:t>Click to edit Master text styles</a:t>
             </a:r>
           </a:p>
           <a:p>
             <a:pPr lvl="1"/>
             <a:r>
-              <a:rPr lang="en-US" smtClean="0"/>
+              <a:rPr lang="en-US"/>
               <a:t>Second level</a:t>
             </a:r>
           </a:p>
           <a:p>
             <a:pPr lvl="2"/>
             <a:r>
-              <a:rPr lang="en-US" smtClean="0"/>
+              <a:rPr lang="en-US"/>
               <a:t>Third level</a:t>
             </a:r>
           </a:p>
           <a:p>
             <a:pPr lvl="3"/>
             <a:r>
-              <a:rPr lang="en-US" smtClean="0"/>
+              <a:rPr lang="en-US"/>
               <a:t>Fourth level</a:t>
             </a:r>
           </a:p>
           <a:p>
             <a:pPr lvl="4"/>
             <a:r>
-              <a:rPr lang="en-US" smtClean="0"/>
+              <a:rPr lang="en-US"/>
               <a:t>Fifth level</a:t>
             </a:r>
             <a:endParaRPr lang="en-US" dirty="0"/>
@@ -7270,7 +7270,7 @@
           <a:lstStyle/>
           <a:p>
             <a:r>
-              <a:rPr lang="en-US" smtClean="0"/>
+              <a:rPr lang="en-US"/>
               <a:t>Click to edit Master title style</a:t>
             </a:r>
             <a:endParaRPr lang="en-US" dirty="0"/>
@@ -7294,35 +7294,35 @@
           <a:p>
             <a:pPr lvl="0"/>
             <a:r>
-              <a:rPr lang="en-US" smtClean="0"/>
+              <a:rPr lang="en-US"/>
               <a:t>Click to edit Master text styles</a:t>
             </a:r>
           </a:p>
           <a:p>
             <a:pPr lvl="1"/>
             <a:r>
-              <a:rPr lang="en-US" smtClean="0"/>
+              <a:rPr lang="en-US"/>
               <a:t>Second level</a:t>
             </a:r>
           </a:p>
           <a:p>
             <a:pPr lvl="2"/>
             <a:r>
-              <a:rPr lang="en-US" smtClean="0"/>
+              <a:rPr lang="en-US"/>
               <a:t>Third level</a:t>
             </a:r>
           </a:p>
           <a:p>
             <a:pPr lvl="3"/>
             <a:r>
-              <a:rPr lang="en-US" smtClean="0"/>
+              <a:rPr lang="en-US"/>
               <a:t>Fourth level</a:t>
             </a:r>
           </a:p>
           <a:p>
             <a:pPr lvl="4"/>
             <a:r>
-              <a:rPr lang="en-US" smtClean="0"/>
+              <a:rPr lang="en-US"/>
               <a:t>Fifth level</a:t>
             </a:r>
             <a:endParaRPr lang="en-US" dirty="0"/>
@@ -7451,7 +7451,7 @@
           </a:lstStyle>
           <a:p>
             <a:r>
-              <a:rPr lang="en-US" smtClean="0"/>
+              <a:rPr lang="en-US"/>
               <a:t>Click to edit Master title style</a:t>
             </a:r>
             <a:endParaRPr lang="en-US" dirty="0"/>
@@ -7573,7 +7573,7 @@
           <a:p>
             <a:pPr lvl="0"/>
             <a:r>
-              <a:rPr lang="en-US" smtClean="0"/>
+              <a:rPr lang="en-US"/>
               <a:t>Click to edit Master text styles</a:t>
             </a:r>
           </a:p>
@@ -7690,7 +7690,7 @@
           <a:lstStyle/>
           <a:p>
             <a:r>
-              <a:rPr lang="en-US" smtClean="0"/>
+              <a:rPr lang="en-US"/>
               <a:t>Click to edit Master title style</a:t>
             </a:r>
             <a:endParaRPr lang="en-US" dirty="0"/>
@@ -7719,35 +7719,35 @@
           <a:p>
             <a:pPr lvl="0"/>
             <a:r>
-              <a:rPr lang="en-US" smtClean="0"/>
+              <a:rPr lang="en-US"/>
               <a:t>Click to edit Master text styles</a:t>
             </a:r>
           </a:p>
           <a:p>
             <a:pPr lvl="1"/>
             <a:r>
-              <a:rPr lang="en-US" smtClean="0"/>
+              <a:rPr lang="en-US"/>
               <a:t>Second level</a:t>
             </a:r>
           </a:p>
           <a:p>
             <a:pPr lvl="2"/>
             <a:r>
-              <a:rPr lang="en-US" smtClean="0"/>
+              <a:rPr lang="en-US"/>
               <a:t>Third level</a:t>
             </a:r>
           </a:p>
           <a:p>
             <a:pPr lvl="3"/>
             <a:r>
-              <a:rPr lang="en-US" smtClean="0"/>
+              <a:rPr lang="en-US"/>
               <a:t>Fourth level</a:t>
             </a:r>
           </a:p>
           <a:p>
             <a:pPr lvl="4"/>
             <a:r>
-              <a:rPr lang="en-US" smtClean="0"/>
+              <a:rPr lang="en-US"/>
               <a:t>Fifth level</a:t>
             </a:r>
             <a:endParaRPr lang="en-US" dirty="0"/>
@@ -7776,35 +7776,35 @@
           <a:p>
             <a:pPr lvl="0"/>
             <a:r>
-              <a:rPr lang="en-US" smtClean="0"/>
+              <a:rPr lang="en-US"/>
               <a:t>Click to edit Master text styles</a:t>
             </a:r>
           </a:p>
           <a:p>
             <a:pPr lvl="1"/>
             <a:r>
-              <a:rPr lang="en-US" smtClean="0"/>
+              <a:rPr lang="en-US"/>
               <a:t>Second level</a:t>
             </a:r>
           </a:p>
           <a:p>
             <a:pPr lvl="2"/>
             <a:r>
-              <a:rPr lang="en-US" smtClean="0"/>
+              <a:rPr lang="en-US"/>
               <a:t>Third level</a:t>
             </a:r>
           </a:p>
           <a:p>
             <a:pPr lvl="3"/>
             <a:r>
-              <a:rPr lang="en-US" smtClean="0"/>
+              <a:rPr lang="en-US"/>
               <a:t>Fourth level</a:t>
             </a:r>
           </a:p>
           <a:p>
             <a:pPr lvl="4"/>
             <a:r>
-              <a:rPr lang="en-US" smtClean="0"/>
+              <a:rPr lang="en-US"/>
               <a:t>Fifth level</a:t>
             </a:r>
             <a:endParaRPr lang="en-US" dirty="0"/>
@@ -7927,7 +7927,7 @@
           <a:lstStyle/>
           <a:p>
             <a:r>
-              <a:rPr lang="en-US" smtClean="0"/>
+              <a:rPr lang="en-US"/>
               <a:t>Click to edit Master title style</a:t>
             </a:r>
             <a:endParaRPr lang="en-US" dirty="0"/>
@@ -8000,7 +8000,7 @@
           <a:p>
             <a:pPr lvl="0"/>
             <a:r>
-              <a:rPr lang="en-US" smtClean="0"/>
+              <a:rPr lang="en-US"/>
               <a:t>Click to edit Master text styles</a:t>
             </a:r>
           </a:p>
@@ -8028,35 +8028,35 @@
           <a:p>
             <a:pPr lvl="0"/>
             <a:r>
-              <a:rPr lang="en-US" smtClean="0"/>
+              <a:rPr lang="en-US"/>
               <a:t>Click to edit Master text styles</a:t>
             </a:r>
           </a:p>
           <a:p>
             <a:pPr lvl="1"/>
             <a:r>
-              <a:rPr lang="en-US" smtClean="0"/>
+              <a:rPr lang="en-US"/>
               <a:t>Second level</a:t>
             </a:r>
           </a:p>
           <a:p>
             <a:pPr lvl="2"/>
             <a:r>
-              <a:rPr lang="en-US" smtClean="0"/>
+              <a:rPr lang="en-US"/>
               <a:t>Third level</a:t>
             </a:r>
           </a:p>
           <a:p>
             <a:pPr lvl="3"/>
             <a:r>
-              <a:rPr lang="en-US" smtClean="0"/>
+              <a:rPr lang="en-US"/>
               <a:t>Fourth level</a:t>
             </a:r>
           </a:p>
           <a:p>
             <a:pPr lvl="4"/>
             <a:r>
-              <a:rPr lang="en-US" smtClean="0"/>
+              <a:rPr lang="en-US"/>
               <a:t>Fifth level</a:t>
             </a:r>
             <a:endParaRPr lang="en-US" dirty="0"/>
@@ -8129,7 +8129,7 @@
           <a:p>
             <a:pPr lvl="0"/>
             <a:r>
-              <a:rPr lang="en-US" smtClean="0"/>
+              <a:rPr lang="en-US"/>
               <a:t>Click to edit Master text styles</a:t>
             </a:r>
           </a:p>
@@ -8157,35 +8157,35 @@
           <a:p>
             <a:pPr lvl="0"/>
             <a:r>
-              <a:rPr lang="en-US" smtClean="0"/>
+              <a:rPr lang="en-US"/>
               <a:t>Click to edit Master text styles</a:t>
             </a:r>
           </a:p>
           <a:p>
             <a:pPr lvl="1"/>
             <a:r>
-              <a:rPr lang="en-US" smtClean="0"/>
+              <a:rPr lang="en-US"/>
               <a:t>Second level</a:t>
             </a:r>
           </a:p>
           <a:p>
             <a:pPr lvl="2"/>
             <a:r>
-              <a:rPr lang="en-US" smtClean="0"/>
+              <a:rPr lang="en-US"/>
               <a:t>Third level</a:t>
             </a:r>
           </a:p>
           <a:p>
             <a:pPr lvl="3"/>
             <a:r>
-              <a:rPr lang="en-US" smtClean="0"/>
+              <a:rPr lang="en-US"/>
               <a:t>Fourth level</a:t>
             </a:r>
           </a:p>
           <a:p>
             <a:pPr lvl="4"/>
             <a:r>
-              <a:rPr lang="en-US" smtClean="0"/>
+              <a:rPr lang="en-US"/>
               <a:t>Fifth level</a:t>
             </a:r>
             <a:endParaRPr lang="en-US" dirty="0"/>
@@ -8303,7 +8303,7 @@
           <a:lstStyle/>
           <a:p>
             <a:r>
-              <a:rPr lang="en-US" smtClean="0"/>
+              <a:rPr lang="en-US"/>
               <a:t>Click to edit Master title style</a:t>
             </a:r>
             <a:endParaRPr lang="en-US" dirty="0"/>
@@ -8525,7 +8525,7 @@
           </a:lstStyle>
           <a:p>
             <a:r>
-              <a:rPr lang="en-US" smtClean="0"/>
+              <a:rPr lang="en-US"/>
               <a:t>Click to edit Master title style</a:t>
             </a:r>
             <a:endParaRPr lang="en-US" dirty="0"/>
@@ -8554,35 +8554,35 @@
           <a:p>
             <a:pPr lvl="0"/>
             <a:r>
-              <a:rPr lang="en-US" smtClean="0"/>
+              <a:rPr lang="en-US"/>
               <a:t>Click to edit Master text styles</a:t>
             </a:r>
           </a:p>
           <a:p>
             <a:pPr lvl="1"/>
             <a:r>
-              <a:rPr lang="en-US" smtClean="0"/>
+              <a:rPr lang="en-US"/>
               <a:t>Second level</a:t>
             </a:r>
           </a:p>
           <a:p>
             <a:pPr lvl="2"/>
             <a:r>
-              <a:rPr lang="en-US" smtClean="0"/>
+              <a:rPr lang="en-US"/>
               <a:t>Third level</a:t>
             </a:r>
           </a:p>
           <a:p>
             <a:pPr lvl="3"/>
             <a:r>
-              <a:rPr lang="en-US" smtClean="0"/>
+              <a:rPr lang="en-US"/>
               <a:t>Fourth level</a:t>
             </a:r>
           </a:p>
           <a:p>
             <a:pPr lvl="4"/>
             <a:r>
-              <a:rPr lang="en-US" smtClean="0"/>
+              <a:rPr lang="en-US"/>
               <a:t>Fifth level</a:t>
             </a:r>
             <a:endParaRPr lang="en-US" dirty="0"/>
@@ -8648,7 +8648,7 @@
           <a:p>
             <a:pPr lvl="0"/>
             <a:r>
-              <a:rPr lang="en-US" smtClean="0"/>
+              <a:rPr lang="en-US"/>
               <a:t>Click to edit Master text styles</a:t>
             </a:r>
           </a:p>
@@ -8774,7 +8774,7 @@
           </a:lstStyle>
           <a:p>
             <a:r>
-              <a:rPr lang="en-US" smtClean="0"/>
+              <a:rPr lang="en-US"/>
               <a:t>Click to edit Master title style</a:t>
             </a:r>
             <a:endParaRPr lang="en-US" dirty="0"/>
@@ -8862,7 +8862,7 @@
           </a:lstStyle>
           <a:p>
             <a:r>
-              <a:rPr lang="en-US" smtClean="0"/>
+              <a:rPr lang="en-US"/>
               <a:t>Click icon to add picture</a:t>
             </a:r>
             <a:endParaRPr lang="en-US" dirty="0"/>
@@ -8928,7 +8928,7 @@
           <a:p>
             <a:pPr lvl="0"/>
             <a:r>
-              <a:rPr lang="en-US" smtClean="0"/>
+              <a:rPr lang="en-US"/>
               <a:t>Click to edit Master text styles</a:t>
             </a:r>
           </a:p>
@@ -12465,25 +12465,22 @@
           <a:p>
             <a:pPr algn="ctr"/>
             <a:r>
-              <a:rPr lang="en-US" sz="5400" dirty="0" smtClean="0">
+              <a:rPr lang="en-US" sz="5400" dirty="0">
                 <a:latin typeface="Rockwell" panose="02060603020205020403" pitchFamily="18" charset="0"/>
               </a:rPr>
               <a:t>SDV602</a:t>
             </a:r>
             <a:br>
-              <a:rPr lang="en-US" sz="5400" dirty="0" smtClean="0">
+              <a:rPr lang="en-US" sz="5400" dirty="0">
                 <a:latin typeface="Rockwell" panose="02060603020205020403" pitchFamily="18" charset="0"/>
               </a:rPr>
             </a:br>
             <a:r>
-              <a:rPr lang="en-US" sz="5400" dirty="0" smtClean="0">
+              <a:rPr lang="en-US" sz="5400" dirty="0">
                 <a:latin typeface="Rockwell" panose="02060603020205020403" pitchFamily="18" charset="0"/>
               </a:rPr>
               <a:t>MILESTONE 2</a:t>
             </a:r>
-            <a:endParaRPr lang="en-US" sz="5400" dirty="0">
-              <a:latin typeface="Rockwell" panose="02060603020205020403" pitchFamily="18" charset="0"/>
-            </a:endParaRPr>
           </a:p>
         </p:txBody>
       </p:sp>
@@ -12512,7 +12509,7 @@
           <a:p>
             <a:pPr algn="ctr"/>
             <a:r>
-              <a:rPr lang="en-US" sz="2400" dirty="0" smtClean="0">
+              <a:rPr lang="en-US" sz="2400" dirty="0">
                 <a:latin typeface="Tahoma" panose="020B0604030504040204" pitchFamily="34" charset="0"/>
                 <a:ea typeface="Tahoma" panose="020B0604030504040204" pitchFamily="34" charset="0"/>
                 <a:cs typeface="Tahoma" panose="020B0604030504040204" pitchFamily="34" charset="0"/>
@@ -12523,7 +12520,7 @@
           <a:p>
             <a:pPr algn="ctr"/>
             <a:r>
-              <a:rPr lang="en-US" sz="2400" dirty="0" smtClean="0">
+              <a:rPr lang="en-US" sz="2400" dirty="0">
                 <a:latin typeface="Tahoma" panose="020B0604030504040204" pitchFamily="34" charset="0"/>
                 <a:ea typeface="Tahoma" panose="020B0604030504040204" pitchFamily="34" charset="0"/>
                 <a:cs typeface="Tahoma" panose="020B0604030504040204" pitchFamily="34" charset="0"/>
@@ -12595,10 +12592,9 @@
           <a:p>
             <a:pPr algn="ctr"/>
             <a:r>
-              <a:rPr lang="en-US" dirty="0" smtClean="0"/>
+              <a:rPr lang="en-US" dirty="0"/>
               <a:t>WHAT IS GOING TO DISCUSS	</a:t>
             </a:r>
-            <a:endParaRPr lang="en-US" dirty="0"/>
           </a:p>
         </p:txBody>
       </p:sp>
@@ -12612,55 +12608,131 @@
             <p:ph idx="1"/>
           </p:nvPr>
         </p:nvSpPr>
-        <p:spPr/>
+        <p:spPr>
+          <a:xfrm>
+            <a:off x="1141413" y="2249487"/>
+            <a:ext cx="2414588" cy="747714"/>
+          </a:xfrm>
+        </p:spPr>
         <p:txBody>
           <a:bodyPr/>
           <a:lstStyle/>
           <a:p>
             <a:r>
+              <a:rPr lang="en-US" dirty="0"/>
+              <a:t>Domain </a:t>
+            </a:r>
+            <a:r>
               <a:rPr lang="en-US" dirty="0" smtClean="0"/>
-              <a:t>Domain Classes</a:t>
-            </a:r>
-          </a:p>
-          <a:p>
-            <a:r>
-              <a:rPr lang="en-US" dirty="0" smtClean="0"/>
-              <a:t>SQLite Database</a:t>
+              <a:t>Classes</a:t>
+            </a:r>
+            <a:endParaRPr lang="en-US" dirty="0"/>
+          </a:p>
+        </p:txBody>
+      </p:sp>
+      <p:sp>
+        <p:nvSpPr>
+          <p:cNvPr id="4" name="TextBox 3"/>
+          <p:cNvSpPr txBox="1"/>
+          <p:nvPr/>
+        </p:nvSpPr>
+        <p:spPr>
+          <a:xfrm>
+            <a:off x="2819400" y="2997201"/>
+            <a:ext cx="4487333" cy="1569660"/>
+          </a:xfrm>
+          <a:prstGeom prst="rect">
+            <a:avLst/>
+          </a:prstGeom>
+          <a:noFill/>
+        </p:spPr>
+        <p:txBody>
+          <a:bodyPr wrap="square" rtlCol="0">
+            <a:spAutoFit/>
+          </a:bodyPr>
+          <a:lstStyle/>
+          <a:p>
+            <a:pPr marL="285750" indent="-285750">
+              <a:buFont typeface="Arial" panose="020B0604020202020204" pitchFamily="34" charset="0"/>
+              <a:buChar char="•"/>
+            </a:pPr>
+            <a:r>
+              <a:rPr lang="en-US" sz="2400" dirty="0"/>
+              <a:t>SQLite </a:t>
+            </a:r>
+            <a:r>
+              <a:rPr lang="en-US" sz="2400" dirty="0" smtClean="0"/>
+              <a:t>Database</a:t>
             </a:r>
           </a:p>
           <a:p>
             <a:pPr lvl="1"/>
             <a:r>
-              <a:rPr lang="en-US" dirty="0" smtClean="0"/>
+              <a:rPr lang="en-US" sz="2400" dirty="0" smtClean="0"/>
               <a:t>What SQLite database</a:t>
             </a:r>
           </a:p>
           <a:p>
             <a:pPr lvl="1"/>
             <a:r>
-              <a:rPr lang="en-US" dirty="0" smtClean="0"/>
-              <a:t>Pros and Cons of SQLite</a:t>
-            </a:r>
-          </a:p>
-          <a:p>
-            <a:r>
-              <a:rPr lang="en-US" dirty="0" smtClean="0"/>
+              <a:rPr lang="en-US" sz="2400" dirty="0" smtClean="0"/>
+              <a:t>Pros </a:t>
+            </a:r>
+            <a:r>
+              <a:rPr lang="en-US" sz="2400" dirty="0"/>
+              <a:t>and Cons of SQLite</a:t>
+            </a:r>
+          </a:p>
+          <a:p>
+            <a:endParaRPr lang="en-US" sz="2400" dirty="0"/>
+          </a:p>
+        </p:txBody>
+      </p:sp>
+      <p:sp>
+        <p:nvSpPr>
+          <p:cNvPr id="5" name="TextBox 4"/>
+          <p:cNvSpPr txBox="1"/>
+          <p:nvPr/>
+        </p:nvSpPr>
+        <p:spPr>
+          <a:xfrm>
+            <a:off x="5958945" y="4470646"/>
+            <a:ext cx="4886855" cy="1200329"/>
+          </a:xfrm>
+          <a:prstGeom prst="rect">
+            <a:avLst/>
+          </a:prstGeom>
+          <a:noFill/>
+        </p:spPr>
+        <p:txBody>
+          <a:bodyPr wrap="square" rtlCol="0">
+            <a:spAutoFit/>
+          </a:bodyPr>
+          <a:lstStyle/>
+          <a:p>
+            <a:pPr marL="285750" indent="-285750">
+              <a:buFont typeface="Arial" panose="020B0604020202020204" pitchFamily="34" charset="0"/>
+              <a:buChar char="•"/>
+            </a:pPr>
+            <a:r>
+              <a:rPr lang="en-US" sz="2400" dirty="0"/>
               <a:t>Data Service Class</a:t>
             </a:r>
           </a:p>
           <a:p>
             <a:pPr lvl="1"/>
             <a:r>
-              <a:rPr lang="en-US" dirty="0" smtClean="0"/>
+              <a:rPr lang="en-US" sz="2400" dirty="0"/>
               <a:t>Purpose of Data Service Class</a:t>
             </a:r>
           </a:p>
           <a:p>
             <a:pPr lvl="1"/>
             <a:r>
-              <a:rPr lang="en-US" dirty="0" smtClean="0"/>
+              <a:rPr lang="en-US" sz="2400" dirty="0"/>
               <a:t>Commonly used inbuilt methods</a:t>
             </a:r>
+            <a:endParaRPr lang="en-US" sz="2400" dirty="0"/>
           </a:p>
         </p:txBody>
       </p:sp>
@@ -12695,7 +12767,7 @@
                             </p:stCondLst>
                             <p:childTnLst>
                               <p:par>
-                                <p:cTn id="5" presetID="16" presetClass="entr" presetSubtype="21" fill="hold" grpId="0" nodeType="clickEffect">
+                                <p:cTn id="5" presetID="22" presetClass="entr" presetSubtype="4" fill="hold" grpId="0" nodeType="clickEffect">
                                   <p:stCondLst>
                                     <p:cond delay="0"/>
                                   </p:stCondLst>
@@ -12722,7 +12794,7 @@
                                         <p:strVal val="visible"/>
                                       </p:to>
                                     </p:set>
-                                    <p:animEffect transition="in" filter="barn(inVertical)">
+                                    <p:animEffect transition="in" filter="wipe(down)">
                                       <p:cBhvr>
                                         <p:cTn id="7" dur="500"/>
                                         <p:tgtEl>
@@ -12756,7 +12828,7 @@
                             </p:stCondLst>
                             <p:childTnLst>
                               <p:par>
-                                <p:cTn id="10" presetID="16" presetClass="entr" presetSubtype="21" fill="hold" grpId="0" nodeType="clickEffect">
+                                <p:cTn id="10" presetID="22" presetClass="entr" presetSubtype="4" fill="hold" grpId="0" nodeType="clickEffect">
                                   <p:stCondLst>
                                     <p:cond delay="0"/>
                                   </p:stCondLst>
@@ -12769,11 +12841,7 @@
                                           </p:stCondLst>
                                         </p:cTn>
                                         <p:tgtEl>
-                                          <p:spTgt spid="3">
-                                            <p:txEl>
-                                              <p:pRg st="1" end="1"/>
-                                            </p:txEl>
-                                          </p:spTgt>
+                                          <p:spTgt spid="4"/>
                                         </p:tgtEl>
                                         <p:attrNameLst>
                                           <p:attrName>style.visibility</p:attrName>
@@ -12783,101 +12851,11 @@
                                         <p:strVal val="visible"/>
                                       </p:to>
                                     </p:set>
-                                    <p:animEffect transition="in" filter="barn(inVertical)">
+                                    <p:animEffect transition="in" filter="wipe(down)">
                                       <p:cBhvr>
                                         <p:cTn id="12" dur="500"/>
                                         <p:tgtEl>
-                                          <p:spTgt spid="3">
-                                            <p:txEl>
-                                              <p:pRg st="1" end="1"/>
-                                            </p:txEl>
-                                          </p:spTgt>
-                                        </p:tgtEl>
-                                      </p:cBhvr>
-                                    </p:animEffect>
-                                  </p:childTnLst>
-                                </p:cTn>
-                              </p:par>
-                              <p:par>
-                                <p:cTn id="13" presetID="16" presetClass="entr" presetSubtype="21" fill="hold" grpId="0" nodeType="withEffect">
-                                  <p:stCondLst>
-                                    <p:cond delay="0"/>
-                                  </p:stCondLst>
-                                  <p:childTnLst>
-                                    <p:set>
-                                      <p:cBhvr>
-                                        <p:cTn id="14" dur="1" fill="hold">
-                                          <p:stCondLst>
-                                            <p:cond delay="0"/>
-                                          </p:stCondLst>
-                                        </p:cTn>
-                                        <p:tgtEl>
-                                          <p:spTgt spid="3">
-                                            <p:txEl>
-                                              <p:pRg st="2" end="2"/>
-                                            </p:txEl>
-                                          </p:spTgt>
-                                        </p:tgtEl>
-                                        <p:attrNameLst>
-                                          <p:attrName>style.visibility</p:attrName>
-                                        </p:attrNameLst>
-                                      </p:cBhvr>
-                                      <p:to>
-                                        <p:strVal val="visible"/>
-                                      </p:to>
-                                    </p:set>
-                                    <p:animEffect transition="in" filter="barn(inVertical)">
-                                      <p:cBhvr>
-                                        <p:cTn id="15" dur="500"/>
-                                        <p:tgtEl>
-                                          <p:spTgt spid="3">
-                                            <p:txEl>
-                                              <p:pRg st="2" end="2"/>
-                                            </p:txEl>
-                                          </p:spTgt>
-                                        </p:tgtEl>
-                                      </p:cBhvr>
-                                    </p:animEffect>
-                                  </p:childTnLst>
-                                </p:cTn>
-                              </p:par>
-                              <p:par>
-                                <p:cTn id="16" presetID="16" presetClass="entr" presetSubtype="21" fill="hold" grpId="0" nodeType="withEffect">
-                                  <p:stCondLst>
-                                    <p:cond delay="0"/>
-                                  </p:stCondLst>
-                                  <p:childTnLst>
-                                    <p:set>
-                                      <p:cBhvr>
-                                        <p:cTn id="17" dur="1" fill="hold">
-                                          <p:stCondLst>
-                                            <p:cond delay="0"/>
-                                          </p:stCondLst>
-                                        </p:cTn>
-                                        <p:tgtEl>
-                                          <p:spTgt spid="3">
-                                            <p:txEl>
-                                              <p:pRg st="3" end="3"/>
-                                            </p:txEl>
-                                          </p:spTgt>
-                                        </p:tgtEl>
-                                        <p:attrNameLst>
-                                          <p:attrName>style.visibility</p:attrName>
-                                        </p:attrNameLst>
-                                      </p:cBhvr>
-                                      <p:to>
-                                        <p:strVal val="visible"/>
-                                      </p:to>
-                                    </p:set>
-                                    <p:animEffect transition="in" filter="barn(inVertical)">
-                                      <p:cBhvr>
-                                        <p:cTn id="18" dur="500"/>
-                                        <p:tgtEl>
-                                          <p:spTgt spid="3">
-                                            <p:txEl>
-                                              <p:pRg st="3" end="3"/>
-                                            </p:txEl>
-                                          </p:spTgt>
+                                          <p:spTgt spid="4"/>
                                         </p:tgtEl>
                                       </p:cBhvr>
                                     </p:animEffect>
@@ -12891,36 +12869,32 @@
                     </p:cTn>
                   </p:par>
                   <p:par>
-                    <p:cTn id="19" fill="hold">
+                    <p:cTn id="13" fill="hold">
                       <p:stCondLst>
                         <p:cond delay="indefinite"/>
                       </p:stCondLst>
                       <p:childTnLst>
                         <p:par>
-                          <p:cTn id="20" fill="hold">
+                          <p:cTn id="14" fill="hold">
                             <p:stCondLst>
                               <p:cond delay="0"/>
                             </p:stCondLst>
                             <p:childTnLst>
                               <p:par>
-                                <p:cTn id="21" presetID="16" presetClass="entr" presetSubtype="21" fill="hold" grpId="0" nodeType="clickEffect">
+                                <p:cTn id="15" presetID="22" presetClass="entr" presetSubtype="4" fill="hold" grpId="0" nodeType="clickEffect">
                                   <p:stCondLst>
                                     <p:cond delay="0"/>
                                   </p:stCondLst>
                                   <p:childTnLst>
                                     <p:set>
                                       <p:cBhvr>
-                                        <p:cTn id="22" dur="1" fill="hold">
+                                        <p:cTn id="16" dur="1" fill="hold">
                                           <p:stCondLst>
                                             <p:cond delay="0"/>
                                           </p:stCondLst>
                                         </p:cTn>
                                         <p:tgtEl>
-                                          <p:spTgt spid="3">
-                                            <p:txEl>
-                                              <p:pRg st="4" end="4"/>
-                                            </p:txEl>
-                                          </p:spTgt>
+                                          <p:spTgt spid="5"/>
                                         </p:tgtEl>
                                         <p:attrNameLst>
                                           <p:attrName>style.visibility</p:attrName>
@@ -12930,101 +12904,11 @@
                                         <p:strVal val="visible"/>
                                       </p:to>
                                     </p:set>
-                                    <p:animEffect transition="in" filter="barn(inVertical)">
+                                    <p:animEffect transition="in" filter="wipe(down)">
                                       <p:cBhvr>
-                                        <p:cTn id="23" dur="500"/>
+                                        <p:cTn id="17" dur="500"/>
                                         <p:tgtEl>
-                                          <p:spTgt spid="3">
-                                            <p:txEl>
-                                              <p:pRg st="4" end="4"/>
-                                            </p:txEl>
-                                          </p:spTgt>
-                                        </p:tgtEl>
-                                      </p:cBhvr>
-                                    </p:animEffect>
-                                  </p:childTnLst>
-                                </p:cTn>
-                              </p:par>
-                              <p:par>
-                                <p:cTn id="24" presetID="16" presetClass="entr" presetSubtype="21" fill="hold" grpId="0" nodeType="withEffect">
-                                  <p:stCondLst>
-                                    <p:cond delay="0"/>
-                                  </p:stCondLst>
-                                  <p:childTnLst>
-                                    <p:set>
-                                      <p:cBhvr>
-                                        <p:cTn id="25" dur="1" fill="hold">
-                                          <p:stCondLst>
-                                            <p:cond delay="0"/>
-                                          </p:stCondLst>
-                                        </p:cTn>
-                                        <p:tgtEl>
-                                          <p:spTgt spid="3">
-                                            <p:txEl>
-                                              <p:pRg st="5" end="5"/>
-                                            </p:txEl>
-                                          </p:spTgt>
-                                        </p:tgtEl>
-                                        <p:attrNameLst>
-                                          <p:attrName>style.visibility</p:attrName>
-                                        </p:attrNameLst>
-                                      </p:cBhvr>
-                                      <p:to>
-                                        <p:strVal val="visible"/>
-                                      </p:to>
-                                    </p:set>
-                                    <p:animEffect transition="in" filter="barn(inVertical)">
-                                      <p:cBhvr>
-                                        <p:cTn id="26" dur="500"/>
-                                        <p:tgtEl>
-                                          <p:spTgt spid="3">
-                                            <p:txEl>
-                                              <p:pRg st="5" end="5"/>
-                                            </p:txEl>
-                                          </p:spTgt>
-                                        </p:tgtEl>
-                                      </p:cBhvr>
-                                    </p:animEffect>
-                                  </p:childTnLst>
-                                </p:cTn>
-                              </p:par>
-                              <p:par>
-                                <p:cTn id="27" presetID="16" presetClass="entr" presetSubtype="21" fill="hold" grpId="0" nodeType="withEffect">
-                                  <p:stCondLst>
-                                    <p:cond delay="0"/>
-                                  </p:stCondLst>
-                                  <p:childTnLst>
-                                    <p:set>
-                                      <p:cBhvr>
-                                        <p:cTn id="28" dur="1" fill="hold">
-                                          <p:stCondLst>
-                                            <p:cond delay="0"/>
-                                          </p:stCondLst>
-                                        </p:cTn>
-                                        <p:tgtEl>
-                                          <p:spTgt spid="3">
-                                            <p:txEl>
-                                              <p:pRg st="6" end="6"/>
-                                            </p:txEl>
-                                          </p:spTgt>
-                                        </p:tgtEl>
-                                        <p:attrNameLst>
-                                          <p:attrName>style.visibility</p:attrName>
-                                        </p:attrNameLst>
-                                      </p:cBhvr>
-                                      <p:to>
-                                        <p:strVal val="visible"/>
-                                      </p:to>
-                                    </p:set>
-                                    <p:animEffect transition="in" filter="barn(inVertical)">
-                                      <p:cBhvr>
-                                        <p:cTn id="29" dur="500"/>
-                                        <p:tgtEl>
-                                          <p:spTgt spid="3">
-                                            <p:txEl>
-                                              <p:pRg st="6" end="6"/>
-                                            </p:txEl>
-                                          </p:spTgt>
+                                          <p:spTgt spid="5"/>
                                         </p:tgtEl>
                                       </p:cBhvr>
                                     </p:animEffect>
@@ -13060,6 +12944,8 @@
     </p:tnLst>
     <p:bldLst>
       <p:bldP spid="3" grpId="0" build="p"/>
+      <p:bldP spid="4" grpId="0"/>
+      <p:bldP spid="5" grpId="0"/>
     </p:bldLst>
   </p:timing>
 </p:sld>
@@ -13104,10 +12990,9 @@
           <a:p>
             <a:pPr algn="ctr"/>
             <a:r>
-              <a:rPr lang="en-US" dirty="0" smtClean="0"/>
+              <a:rPr lang="en-US" dirty="0"/>
               <a:t>Domain Classes		</a:t>
             </a:r>
-            <a:endParaRPr lang="en-US" dirty="0"/>
           </a:p>
         </p:txBody>
       </p:sp>
@@ -13135,7 +13020,7 @@
               <a:buNone/>
             </a:pPr>
             <a:r>
-              <a:rPr lang="en-US" dirty="0" smtClean="0"/>
+              <a:rPr lang="en-US" dirty="0"/>
               <a:t>Domain classes are used to define what tables are required for the implementation.</a:t>
             </a:r>
           </a:p>
@@ -13343,7 +13228,7 @@
               <a:buNone/>
             </a:pPr>
             <a:r>
-              <a:rPr lang="en-US" dirty="0" smtClean="0">
+              <a:rPr lang="en-US" dirty="0">
                 <a:solidFill>
                   <a:srgbClr val="FFFF00"/>
                 </a:solidFill>
@@ -13353,31 +13238,31 @@
           </a:p>
           <a:p>
             <a:r>
-              <a:rPr lang="en-US" dirty="0" smtClean="0"/>
+              <a:rPr lang="en-US" dirty="0"/>
               <a:t>User</a:t>
             </a:r>
           </a:p>
           <a:p>
             <a:r>
-              <a:rPr lang="en-US" dirty="0" smtClean="0"/>
+              <a:rPr lang="en-US" dirty="0"/>
               <a:t>GameData</a:t>
             </a:r>
           </a:p>
           <a:p>
             <a:r>
-              <a:rPr lang="en-US" dirty="0" smtClean="0"/>
+              <a:rPr lang="en-US" dirty="0"/>
               <a:t>UserGameData</a:t>
             </a:r>
           </a:p>
           <a:p>
             <a:r>
-              <a:rPr lang="en-US" dirty="0" smtClean="0"/>
+              <a:rPr lang="en-US" dirty="0"/>
               <a:t>SceneData</a:t>
             </a:r>
           </a:p>
           <a:p>
             <a:r>
-              <a:rPr lang="en-US" dirty="0" smtClean="0"/>
+              <a:rPr lang="en-US" dirty="0"/>
               <a:t>ChatDetails</a:t>
             </a:r>
           </a:p>
@@ -13585,7 +13470,7 @@
               <a:buNone/>
             </a:pPr>
             <a:r>
-              <a:rPr lang="en-US" dirty="0" smtClean="0">
+              <a:rPr lang="en-US" dirty="0">
                 <a:solidFill>
                   <a:srgbClr val="FFFF00"/>
                 </a:solidFill>
@@ -13595,39 +13480,39 @@
           </a:p>
           <a:p>
             <a:r>
-              <a:rPr lang="en-US" dirty="0" smtClean="0"/>
+              <a:rPr lang="en-US" dirty="0"/>
               <a:t>Primary Key -  to define primary key</a:t>
             </a:r>
           </a:p>
           <a:p>
             <a:r>
-              <a:rPr lang="en-US" dirty="0" smtClean="0"/>
+              <a:rPr lang="en-US" dirty="0"/>
               <a:t>AutoIncrement -  </a:t>
             </a:r>
             <a:r>
-              <a:rPr lang="en-US" sz="2000" dirty="0" smtClean="0"/>
+              <a:rPr lang="en-US" sz="2000" dirty="0"/>
               <a:t>to define a column that increments as new row is added</a:t>
             </a:r>
             <a:r>
-              <a:rPr lang="en-US" dirty="0" smtClean="0"/>
+              <a:rPr lang="en-US" dirty="0"/>
               <a:t>.</a:t>
             </a:r>
           </a:p>
           <a:p>
             <a:r>
-              <a:rPr lang="en-US" dirty="0" smtClean="0"/>
+              <a:rPr lang="en-US" dirty="0"/>
               <a:t>MaxLength – to define the maximum length</a:t>
             </a:r>
           </a:p>
           <a:p>
             <a:r>
-              <a:rPr lang="en-US" dirty="0" smtClean="0"/>
+              <a:rPr lang="en-US" dirty="0"/>
               <a:t>NotNull – to define the column not allowed to be null</a:t>
             </a:r>
           </a:p>
           <a:p>
             <a:r>
-              <a:rPr lang="en-US" dirty="0" smtClean="0"/>
+              <a:rPr lang="en-US" dirty="0"/>
               <a:t>Column – to define the column name, datatype and order</a:t>
             </a:r>
           </a:p>
@@ -13636,12 +13521,12 @@
               <a:buNone/>
             </a:pPr>
             <a:r>
-              <a:rPr lang="en-US" dirty="0" smtClean="0"/>
+              <a:rPr lang="en-US" dirty="0"/>
               <a:t>There are many other annotation. But these are most commonly used ones</a:t>
             </a:r>
           </a:p>
           <a:p>
-            <a:endParaRPr lang="en-US" dirty="0" smtClean="0"/>
+            <a:endParaRPr lang="en-US" dirty="0"/>
           </a:p>
           <a:p>
             <a:endParaRPr lang="en-US" dirty="0"/>
@@ -13974,10 +13859,9 @@
           <a:p>
             <a:pPr algn="ctr"/>
             <a:r>
-              <a:rPr lang="en-US" dirty="0" smtClean="0"/>
+              <a:rPr lang="en-US" dirty="0"/>
               <a:t>SQLite Database</a:t>
             </a:r>
-            <a:endParaRPr lang="en-US" dirty="0"/>
           </a:p>
         </p:txBody>
       </p:sp>
@@ -14006,23 +13890,7 @@
             </a:pPr>
             <a:r>
               <a:rPr lang="en-US" dirty="0"/>
-              <a:t>SQLite is a library that implements small, fast, self-contained, high-reliability, full-featured </a:t>
-            </a:r>
-            <a:r>
-              <a:rPr lang="en-US" dirty="0" smtClean="0"/>
-              <a:t>Serverless </a:t>
-            </a:r>
-            <a:r>
-              <a:rPr lang="en-US" dirty="0" smtClean="0"/>
-              <a:t>SQL </a:t>
-            </a:r>
-            <a:r>
-              <a:rPr lang="en-US" dirty="0"/>
-              <a:t>database </a:t>
-            </a:r>
-            <a:r>
-              <a:rPr lang="en-US" dirty="0" smtClean="0"/>
-              <a:t>engine</a:t>
+              <a:t>SQLite is a library that implements small, fast, self-contained, high-reliability, full-featured Serverless SQL database engine</a:t>
             </a:r>
           </a:p>
           <a:p>
@@ -14112,10 +13980,9 @@
           <a:lstStyle/>
           <a:p>
             <a:r>
-              <a:rPr lang="en-US" dirty="0" smtClean="0"/>
+              <a:rPr lang="en-US" dirty="0"/>
               <a:t>RDBMS Client/Server Architecture</a:t>
             </a:r>
-            <a:endParaRPr lang="en-US" dirty="0"/>
           </a:p>
         </p:txBody>
       </p:sp>
@@ -14142,10 +14009,9 @@
           <a:lstStyle/>
           <a:p>
             <a:r>
-              <a:rPr lang="en-US" dirty="0" smtClean="0"/>
+              <a:rPr lang="en-US" dirty="0"/>
               <a:t>Serverless SQLite Architecture</a:t>
             </a:r>
-            <a:endParaRPr lang="en-US" dirty="0"/>
           </a:p>
         </p:txBody>
       </p:sp>
@@ -14792,7 +14658,7 @@
           <a:lstStyle/>
           <a:p>
             <a:r>
-              <a:rPr lang="en-US" sz="3200" dirty="0" smtClean="0">
+              <a:rPr lang="en-US" sz="3200" dirty="0">
                 <a:solidFill>
                   <a:srgbClr val="FFFF00"/>
                 </a:solidFill>
@@ -14813,7 +14679,7 @@
               <a:buChar char="•"/>
             </a:pPr>
             <a:r>
-              <a:rPr lang="en-US" dirty="0" smtClean="0"/>
+              <a:rPr lang="en-US" dirty="0"/>
               <a:t>Light Weight database</a:t>
             </a:r>
           </a:p>
@@ -14823,7 +14689,7 @@
               <a:buChar char="•"/>
             </a:pPr>
             <a:r>
-              <a:rPr lang="en-US" dirty="0" smtClean="0"/>
+              <a:rPr lang="en-US" dirty="0"/>
               <a:t>Self contained</a:t>
             </a:r>
           </a:p>
@@ -14833,7 +14699,7 @@
               <a:buChar char="•"/>
             </a:pPr>
             <a:r>
-              <a:rPr lang="en-US" dirty="0" smtClean="0"/>
+              <a:rPr lang="en-US" dirty="0"/>
               <a:t>Requires only minimal support</a:t>
             </a:r>
           </a:p>
@@ -14843,7 +14709,7 @@
               <a:buChar char="•"/>
             </a:pPr>
             <a:r>
-              <a:rPr lang="en-US" dirty="0" smtClean="0"/>
+              <a:rPr lang="en-US" dirty="0"/>
               <a:t>Support embedded environments</a:t>
             </a:r>
           </a:p>
@@ -14853,7 +14719,7 @@
               <a:buChar char="•"/>
             </a:pPr>
             <a:r>
-              <a:rPr lang="en-US" dirty="0" smtClean="0"/>
+              <a:rPr lang="en-US" dirty="0"/>
               <a:t>Phones</a:t>
             </a:r>
           </a:p>
@@ -14863,7 +14729,7 @@
               <a:buChar char="•"/>
             </a:pPr>
             <a:r>
-              <a:rPr lang="en-US" dirty="0" smtClean="0"/>
+              <a:rPr lang="en-US" dirty="0"/>
               <a:t>Game consoles</a:t>
             </a:r>
           </a:p>
@@ -14873,7 +14739,7 @@
               <a:buChar char="•"/>
             </a:pPr>
             <a:r>
-              <a:rPr lang="en-US" dirty="0" smtClean="0"/>
+              <a:rPr lang="en-US" dirty="0"/>
               <a:t>Zero configuration</a:t>
             </a:r>
           </a:p>
@@ -14883,7 +14749,7 @@
               <a:buChar char="•"/>
             </a:pPr>
             <a:r>
-              <a:rPr lang="en-US" dirty="0" smtClean="0"/>
+              <a:rPr lang="en-US" dirty="0"/>
               <a:t>Serverless architecture. Hence no config files required</a:t>
             </a:r>
           </a:p>
@@ -14893,7 +14759,7 @@
               <a:buChar char="•"/>
             </a:pPr>
             <a:r>
-              <a:rPr lang="en-US" dirty="0" smtClean="0"/>
+              <a:rPr lang="en-US" dirty="0"/>
               <a:t>Dynamic data types</a:t>
             </a:r>
           </a:p>
@@ -14903,7 +14769,7 @@
               <a:buChar char="•"/>
             </a:pPr>
             <a:r>
-              <a:rPr lang="en-US" dirty="0" smtClean="0"/>
+              <a:rPr lang="en-US" dirty="0"/>
               <a:t>No installation required</a:t>
             </a:r>
           </a:p>
@@ -14913,7 +14779,7 @@
               <a:buChar char="•"/>
             </a:pPr>
             <a:r>
-              <a:rPr lang="en-US" dirty="0" smtClean="0"/>
+              <a:rPr lang="en-US" dirty="0"/>
               <a:t>Compatible with all languages</a:t>
             </a:r>
           </a:p>
@@ -14923,7 +14789,7 @@
               <a:buChar char="•"/>
             </a:pPr>
             <a:r>
-              <a:rPr lang="en-US" dirty="0" smtClean="0"/>
+              <a:rPr lang="en-US" dirty="0"/>
               <a:t>Portable – supports both 32 and 64 bit</a:t>
             </a:r>
           </a:p>
@@ -14933,7 +14799,7 @@
               <a:buChar char="•"/>
             </a:pPr>
             <a:r>
-              <a:rPr lang="en-US" dirty="0" smtClean="0"/>
+              <a:rPr lang="en-US" dirty="0"/>
               <a:t>Better performance</a:t>
             </a:r>
           </a:p>
@@ -14943,7 +14809,7 @@
               <a:buChar char="•"/>
             </a:pPr>
             <a:r>
-              <a:rPr lang="en-US" dirty="0" smtClean="0"/>
+              <a:rPr lang="en-US" dirty="0"/>
               <a:t>Reading and writing is faster</a:t>
             </a:r>
           </a:p>
@@ -14953,7 +14819,7 @@
               <a:buChar char="•"/>
             </a:pPr>
             <a:r>
-              <a:rPr lang="en-US" dirty="0" smtClean="0"/>
+              <a:rPr lang="en-US" dirty="0"/>
               <a:t>Loads only required data </a:t>
             </a:r>
           </a:p>
@@ -14967,10 +14833,9 @@
           <a:p>
             <a:pPr lvl="1"/>
             <a:r>
-              <a:rPr lang="en-US" dirty="0" smtClean="0"/>
+              <a:rPr lang="en-US" dirty="0"/>
               <a:t>					</a:t>
             </a:r>
-            <a:endParaRPr lang="en-US" dirty="0"/>
           </a:p>
         </p:txBody>
       </p:sp>
@@ -14997,7 +14862,7 @@
           <a:lstStyle/>
           <a:p>
             <a:r>
-              <a:rPr lang="en-US" sz="3200" dirty="0" smtClean="0">
+              <a:rPr lang="en-US" sz="3200" dirty="0">
                 <a:solidFill>
                   <a:srgbClr val="FFFF00"/>
                 </a:solidFill>
@@ -15014,7 +14879,7 @@
               <a:buChar char="•"/>
             </a:pPr>
             <a:r>
-              <a:rPr lang="en-US" dirty="0" smtClean="0"/>
+              <a:rPr lang="en-US" dirty="0"/>
               <a:t>Will be deleted when app is uninstalled</a:t>
             </a:r>
           </a:p>
@@ -15024,7 +14889,7 @@
               <a:buChar char="•"/>
             </a:pPr>
             <a:r>
-              <a:rPr lang="en-US" dirty="0" smtClean="0"/>
+              <a:rPr lang="en-US" dirty="0"/>
               <a:t>If file storage on internal memory, which also gets deleted on app uninstall</a:t>
             </a:r>
           </a:p>
@@ -15034,7 +14899,7 @@
               <a:buChar char="•"/>
             </a:pPr>
             <a:r>
-              <a:rPr lang="en-US" dirty="0" smtClean="0"/>
+              <a:rPr lang="en-US" dirty="0"/>
               <a:t>If file storage on external memory, is open for access by any other applications</a:t>
             </a:r>
           </a:p>
@@ -15044,7 +14909,7 @@
               <a:buChar char="•"/>
             </a:pPr>
             <a:r>
-              <a:rPr lang="en-US" dirty="0" smtClean="0"/>
+              <a:rPr lang="en-US" dirty="0"/>
               <a:t>It’s slow (no caching mechanism)</a:t>
             </a:r>
           </a:p>
@@ -15054,7 +14919,7 @@
               <a:buChar char="•"/>
             </a:pPr>
             <a:r>
-              <a:rPr lang="en-US" dirty="0" smtClean="0"/>
+              <a:rPr lang="en-US" dirty="0"/>
               <a:t>In most cases database size restricted to 2GB</a:t>
             </a:r>
           </a:p>
@@ -15064,10 +14929,9 @@
               <a:buChar char="•"/>
             </a:pPr>
             <a:r>
-              <a:rPr lang="en-US" dirty="0" smtClean="0"/>
+              <a:rPr lang="en-US" dirty="0"/>
               <a:t>Not scalable</a:t>
             </a:r>
-            <a:endParaRPr lang="en-US" dirty="0"/>
           </a:p>
         </p:txBody>
       </p:sp>
@@ -15385,10 +15249,9 @@
           <a:p>
             <a:pPr algn="ctr"/>
             <a:r>
-              <a:rPr lang="en-US" dirty="0" smtClean="0"/>
+              <a:rPr lang="en-US" dirty="0"/>
               <a:t>DatA Service class</a:t>
             </a:r>
-            <a:endParaRPr lang="en-US" dirty="0"/>
           </a:p>
         </p:txBody>
       </p:sp>
@@ -15418,7 +15281,7 @@
               <a:buNone/>
             </a:pPr>
             <a:r>
-              <a:rPr lang="en-US" dirty="0" smtClean="0"/>
+              <a:rPr lang="en-US" dirty="0"/>
               <a:t>DataService class is used to connect the application with SQLite database. The required database will be created when constructor of DataService class is invoked. The database is created only when no database exists. Also all the tables will be created if required and base game data will be inserted.</a:t>
             </a:r>
           </a:p>
@@ -15447,7 +15310,7 @@
           <a:lstStyle/>
           <a:p>
             <a:r>
-              <a:rPr lang="en-US" sz="2800" dirty="0" smtClean="0">
+              <a:rPr lang="en-US" sz="2800" dirty="0">
                 <a:solidFill>
                   <a:srgbClr val="FFFF00"/>
                 </a:solidFill>
@@ -15460,7 +15323,7 @@
               <a:buAutoNum type="arabicPeriod"/>
             </a:pPr>
             <a:r>
-              <a:rPr lang="en-US" dirty="0" smtClean="0"/>
+              <a:rPr lang="en-US" dirty="0"/>
               <a:t>CreateTable – Create defined table if not exists</a:t>
             </a:r>
           </a:p>
@@ -15469,7 +15332,7 @@
               <a:buAutoNum type="arabicPeriod"/>
             </a:pPr>
             <a:r>
-              <a:rPr lang="en-US" dirty="0" smtClean="0"/>
+              <a:rPr lang="en-US" dirty="0"/>
               <a:t>Insert – Insert a single new row</a:t>
             </a:r>
           </a:p>
@@ -15478,7 +15341,7 @@
               <a:buAutoNum type="arabicPeriod"/>
             </a:pPr>
             <a:r>
-              <a:rPr lang="en-US" dirty="0" smtClean="0"/>
+              <a:rPr lang="en-US" dirty="0"/>
               <a:t>InsertAll – Insert a list of new rows</a:t>
             </a:r>
           </a:p>
@@ -15487,7 +15350,7 @@
               <a:buAutoNum type="arabicPeriod"/>
             </a:pPr>
             <a:r>
-              <a:rPr lang="en-US" dirty="0" smtClean="0"/>
+              <a:rPr lang="en-US" dirty="0"/>
               <a:t>Update – Update a single row with change in data</a:t>
             </a:r>
           </a:p>
@@ -15496,7 +15359,7 @@
               <a:buAutoNum type="arabicPeriod"/>
             </a:pPr>
             <a:r>
-              <a:rPr lang="en-US" dirty="0" smtClean="0"/>
+              <a:rPr lang="en-US" dirty="0"/>
               <a:t>UpdateAll – Update a list of passed data rows with change in data</a:t>
             </a:r>
           </a:p>
@@ -15505,7 +15368,7 @@
               <a:buAutoNum type="arabicPeriod"/>
             </a:pPr>
             <a:r>
-              <a:rPr lang="en-US" dirty="0" smtClean="0"/>
+              <a:rPr lang="en-US" dirty="0"/>
               <a:t>Delete – Deletes a single row</a:t>
             </a:r>
           </a:p>
@@ -15514,7 +15377,7 @@
               <a:buAutoNum type="arabicPeriod"/>
             </a:pPr>
             <a:r>
-              <a:rPr lang="en-US" dirty="0" smtClean="0"/>
+              <a:rPr lang="en-US" dirty="0"/>
               <a:t>DeleteAll – Deletes a list of passed rows</a:t>
             </a:r>
           </a:p>
@@ -15523,7 +15386,7 @@
               <a:buAutoNum type="arabicPeriod"/>
             </a:pPr>
             <a:r>
-              <a:rPr lang="en-US" dirty="0" smtClean="0"/>
+              <a:rPr lang="en-US" dirty="0"/>
               <a:t>Get – To retrieve data from database by passing key or conditions</a:t>
             </a:r>
           </a:p>
@@ -15532,25 +15395,17 @@
               <a:buAutoNum type="arabicPeriod"/>
             </a:pPr>
             <a:r>
-              <a:rPr lang="en-US" dirty="0" smtClean="0"/>
+              <a:rPr lang="en-US" dirty="0"/>
               <a:t>Find – Same as Get function</a:t>
             </a:r>
           </a:p>
           <a:p>
-            <a:endParaRPr lang="en-US" dirty="0" smtClean="0"/>
-          </a:p>
-          <a:p>
-            <a:r>
-              <a:rPr lang="en-US" dirty="0" smtClean="0"/>
-              <a:t>There are other methods such as Query, </a:t>
-            </a:r>
-            <a:r>
-              <a:rPr lang="en-US" dirty="0" err="1" smtClean="0"/>
-              <a:t>DefferedQuery</a:t>
-            </a:r>
-            <a:r>
-              <a:rPr lang="en-US" dirty="0" smtClean="0"/>
-              <a:t> to execute custom queries which will be required in complex situations.</a:t>
+            <a:endParaRPr lang="en-US" dirty="0"/>
+          </a:p>
+          <a:p>
+            <a:r>
+              <a:rPr lang="en-US" dirty="0"/>
+              <a:t>There are other methods such as Query, DefferedQuery to execute custom queries which will be required in complex situations.</a:t>
             </a:r>
           </a:p>
           <a:p>
